--- a/Resources/005_LongestPalindromicSubstring.pptx
+++ b/Resources/005_LongestPalindromicSubstring.pptx
@@ -21,6 +21,7 @@
     <p:sldId id="306" r:id="rId15"/>
     <p:sldId id="307" r:id="rId16"/>
     <p:sldId id="308" r:id="rId17"/>
+    <p:sldId id="309" r:id="rId18"/>
   </p:sldIdLst>
   <p:sldSz cx="12192000" cy="6858000"/>
   <p:notesSz cx="6858000" cy="9144000"/>
@@ -258,7 +259,7 @@
           <a:p>
             <a:fld id="{E27CD909-5952-48F8-A19C-6F1FFF2EAE97}" type="datetimeFigureOut">
               <a:rPr lang="zh-CN" altLang="en-US" smtClean="0"/>
-              <a:t>2017/6/10</a:t>
+              <a:t>2017/7/13</a:t>
             </a:fld>
             <a:endParaRPr lang="zh-CN" altLang="en-US"/>
           </a:p>
@@ -428,7 +429,7 @@
           <a:p>
             <a:fld id="{E27CD909-5952-48F8-A19C-6F1FFF2EAE97}" type="datetimeFigureOut">
               <a:rPr lang="zh-CN" altLang="en-US" smtClean="0"/>
-              <a:t>2017/6/10</a:t>
+              <a:t>2017/7/13</a:t>
             </a:fld>
             <a:endParaRPr lang="zh-CN" altLang="en-US"/>
           </a:p>
@@ -608,7 +609,7 @@
           <a:p>
             <a:fld id="{E27CD909-5952-48F8-A19C-6F1FFF2EAE97}" type="datetimeFigureOut">
               <a:rPr lang="zh-CN" altLang="en-US" smtClean="0"/>
-              <a:t>2017/6/10</a:t>
+              <a:t>2017/7/13</a:t>
             </a:fld>
             <a:endParaRPr lang="zh-CN" altLang="en-US"/>
           </a:p>
@@ -778,7 +779,7 @@
           <a:p>
             <a:fld id="{E27CD909-5952-48F8-A19C-6F1FFF2EAE97}" type="datetimeFigureOut">
               <a:rPr lang="zh-CN" altLang="en-US" smtClean="0"/>
-              <a:t>2017/6/10</a:t>
+              <a:t>2017/7/13</a:t>
             </a:fld>
             <a:endParaRPr lang="zh-CN" altLang="en-US"/>
           </a:p>
@@ -1024,7 +1025,7 @@
           <a:p>
             <a:fld id="{E27CD909-5952-48F8-A19C-6F1FFF2EAE97}" type="datetimeFigureOut">
               <a:rPr lang="zh-CN" altLang="en-US" smtClean="0"/>
-              <a:t>2017/6/10</a:t>
+              <a:t>2017/7/13</a:t>
             </a:fld>
             <a:endParaRPr lang="zh-CN" altLang="en-US"/>
           </a:p>
@@ -1256,7 +1257,7 @@
           <a:p>
             <a:fld id="{E27CD909-5952-48F8-A19C-6F1FFF2EAE97}" type="datetimeFigureOut">
               <a:rPr lang="zh-CN" altLang="en-US" smtClean="0"/>
-              <a:t>2017/6/10</a:t>
+              <a:t>2017/7/13</a:t>
             </a:fld>
             <a:endParaRPr lang="zh-CN" altLang="en-US"/>
           </a:p>
@@ -1623,7 +1624,7 @@
           <a:p>
             <a:fld id="{E27CD909-5952-48F8-A19C-6F1FFF2EAE97}" type="datetimeFigureOut">
               <a:rPr lang="zh-CN" altLang="en-US" smtClean="0"/>
-              <a:t>2017/6/10</a:t>
+              <a:t>2017/7/13</a:t>
             </a:fld>
             <a:endParaRPr lang="zh-CN" altLang="en-US"/>
           </a:p>
@@ -1741,7 +1742,7 @@
           <a:p>
             <a:fld id="{E27CD909-5952-48F8-A19C-6F1FFF2EAE97}" type="datetimeFigureOut">
               <a:rPr lang="zh-CN" altLang="en-US" smtClean="0"/>
-              <a:t>2017/6/10</a:t>
+              <a:t>2017/7/13</a:t>
             </a:fld>
             <a:endParaRPr lang="zh-CN" altLang="en-US"/>
           </a:p>
@@ -1836,7 +1837,7 @@
           <a:p>
             <a:fld id="{E27CD909-5952-48F8-A19C-6F1FFF2EAE97}" type="datetimeFigureOut">
               <a:rPr lang="zh-CN" altLang="en-US" smtClean="0"/>
-              <a:t>2017/6/10</a:t>
+              <a:t>2017/7/13</a:t>
             </a:fld>
             <a:endParaRPr lang="zh-CN" altLang="en-US"/>
           </a:p>
@@ -2113,7 +2114,7 @@
           <a:p>
             <a:fld id="{E27CD909-5952-48F8-A19C-6F1FFF2EAE97}" type="datetimeFigureOut">
               <a:rPr lang="zh-CN" altLang="en-US" smtClean="0"/>
-              <a:t>2017/6/10</a:t>
+              <a:t>2017/7/13</a:t>
             </a:fld>
             <a:endParaRPr lang="zh-CN" altLang="en-US"/>
           </a:p>
@@ -2366,7 +2367,7 @@
           <a:p>
             <a:fld id="{E27CD909-5952-48F8-A19C-6F1FFF2EAE97}" type="datetimeFigureOut">
               <a:rPr lang="zh-CN" altLang="en-US" smtClean="0"/>
-              <a:t>2017/6/10</a:t>
+              <a:t>2017/7/13</a:t>
             </a:fld>
             <a:endParaRPr lang="zh-CN" altLang="en-US"/>
           </a:p>
@@ -2579,7 +2580,7 @@
           <a:p>
             <a:fld id="{E27CD909-5952-48F8-A19C-6F1FFF2EAE97}" type="datetimeFigureOut">
               <a:rPr lang="zh-CN" altLang="en-US" smtClean="0"/>
-              <a:t>2017/6/10</a:t>
+              <a:t>2017/7/13</a:t>
             </a:fld>
             <a:endParaRPr lang="zh-CN" altLang="en-US"/>
           </a:p>
@@ -6163,6 +6164,5006 @@
 </p:sld>
 </file>
 
+<file path=ppt/slides/slide17.xml><?xml version="1.0" encoding="utf-8"?>
+<p:sld xmlns:a="http://schemas.openxmlformats.org/drawingml/2006/main" xmlns:r="http://schemas.openxmlformats.org/officeDocument/2006/relationships" xmlns:p="http://schemas.openxmlformats.org/presentationml/2006/main">
+  <p:cSld>
+    <p:spTree>
+      <p:nvGrpSpPr>
+        <p:cNvPr id="1" name=""/>
+        <p:cNvGrpSpPr/>
+        <p:nvPr/>
+      </p:nvGrpSpPr>
+      <p:grpSpPr>
+        <a:xfrm>
+          <a:off x="0" y="0"/>
+          <a:ext cx="0" cy="0"/>
+          <a:chOff x="0" y="0"/>
+          <a:chExt cx="0" cy="0"/>
+        </a:xfrm>
+      </p:grpSpPr>
+      <p:sp>
+        <p:nvSpPr>
+          <p:cNvPr id="2" name="标题 1"/>
+          <p:cNvSpPr>
+            <a:spLocks noGrp="1"/>
+          </p:cNvSpPr>
+          <p:nvPr>
+            <p:ph type="title"/>
+          </p:nvPr>
+        </p:nvSpPr>
+        <p:spPr>
+          <a:xfrm>
+            <a:off x="838200" y="138426"/>
+            <a:ext cx="10515600" cy="814221"/>
+          </a:xfrm>
+        </p:spPr>
+        <p:txBody>
+          <a:bodyPr/>
+          <a:lstStyle/>
+          <a:p>
+            <a:r>
+              <a:rPr lang="en-US" altLang="zh-CN" dirty="0" smtClean="0"/>
+              <a:t>Dynamic Programming</a:t>
+            </a:r>
+            <a:endParaRPr lang="zh-CN" altLang="en-US" dirty="0"/>
+          </a:p>
+        </p:txBody>
+      </p:sp>
+      <p:sp>
+        <p:nvSpPr>
+          <p:cNvPr id="4" name="矩形 3"/>
+          <p:cNvSpPr/>
+          <p:nvPr/>
+        </p:nvSpPr>
+        <p:spPr>
+          <a:xfrm>
+            <a:off x="1565861" y="1298803"/>
+            <a:ext cx="360000" cy="360000"/>
+          </a:xfrm>
+          <a:prstGeom prst="rect">
+            <a:avLst/>
+          </a:prstGeom>
+          <a:noFill/>
+        </p:spPr>
+        <p:style>
+          <a:lnRef idx="2">
+            <a:schemeClr val="accent1"/>
+          </a:lnRef>
+          <a:fillRef idx="1">
+            <a:schemeClr val="lt1"/>
+          </a:fillRef>
+          <a:effectRef idx="0">
+            <a:schemeClr val="accent1"/>
+          </a:effectRef>
+          <a:fontRef idx="minor">
+            <a:schemeClr val="dk1"/>
+          </a:fontRef>
+        </p:style>
+        <p:txBody>
+          <a:bodyPr rtlCol="0" anchor="ctr"/>
+          <a:lstStyle/>
+          <a:p>
+            <a:pPr algn="ctr"/>
+            <a:r>
+              <a:rPr lang="en-US" altLang="zh-CN" dirty="0"/>
+              <a:t>0</a:t>
+            </a:r>
+            <a:endParaRPr lang="zh-CN" altLang="en-US" dirty="0"/>
+          </a:p>
+        </p:txBody>
+      </p:sp>
+      <p:sp>
+        <p:nvSpPr>
+          <p:cNvPr id="5" name="矩形 4"/>
+          <p:cNvSpPr/>
+          <p:nvPr/>
+        </p:nvSpPr>
+        <p:spPr>
+          <a:xfrm>
+            <a:off x="1925861" y="1298803"/>
+            <a:ext cx="360000" cy="360000"/>
+          </a:xfrm>
+          <a:prstGeom prst="rect">
+            <a:avLst/>
+          </a:prstGeom>
+          <a:noFill/>
+        </p:spPr>
+        <p:style>
+          <a:lnRef idx="2">
+            <a:schemeClr val="accent1"/>
+          </a:lnRef>
+          <a:fillRef idx="1">
+            <a:schemeClr val="lt1"/>
+          </a:fillRef>
+          <a:effectRef idx="0">
+            <a:schemeClr val="accent1"/>
+          </a:effectRef>
+          <a:fontRef idx="minor">
+            <a:schemeClr val="dk1"/>
+          </a:fontRef>
+        </p:style>
+        <p:txBody>
+          <a:bodyPr rtlCol="0" anchor="ctr"/>
+          <a:lstStyle/>
+          <a:p>
+            <a:pPr algn="ctr"/>
+            <a:r>
+              <a:rPr lang="en-US" altLang="zh-CN" dirty="0" smtClean="0"/>
+              <a:t>0</a:t>
+            </a:r>
+            <a:endParaRPr lang="zh-CN" altLang="en-US" dirty="0"/>
+          </a:p>
+        </p:txBody>
+      </p:sp>
+      <p:sp>
+        <p:nvSpPr>
+          <p:cNvPr id="6" name="矩形 5"/>
+          <p:cNvSpPr/>
+          <p:nvPr/>
+        </p:nvSpPr>
+        <p:spPr>
+          <a:xfrm>
+            <a:off x="2285861" y="1298803"/>
+            <a:ext cx="360000" cy="360000"/>
+          </a:xfrm>
+          <a:prstGeom prst="rect">
+            <a:avLst/>
+          </a:prstGeom>
+          <a:noFill/>
+        </p:spPr>
+        <p:style>
+          <a:lnRef idx="2">
+            <a:schemeClr val="accent1"/>
+          </a:lnRef>
+          <a:fillRef idx="1">
+            <a:schemeClr val="lt1"/>
+          </a:fillRef>
+          <a:effectRef idx="0">
+            <a:schemeClr val="accent1"/>
+          </a:effectRef>
+          <a:fontRef idx="minor">
+            <a:schemeClr val="dk1"/>
+          </a:fontRef>
+        </p:style>
+        <p:txBody>
+          <a:bodyPr rtlCol="0" anchor="ctr"/>
+          <a:lstStyle/>
+          <a:p>
+            <a:pPr algn="ctr"/>
+            <a:r>
+              <a:rPr lang="en-US" altLang="zh-CN" dirty="0" smtClean="0"/>
+              <a:t>0</a:t>
+            </a:r>
+            <a:endParaRPr lang="zh-CN" altLang="en-US" dirty="0"/>
+          </a:p>
+        </p:txBody>
+      </p:sp>
+      <p:sp>
+        <p:nvSpPr>
+          <p:cNvPr id="7" name="矩形 6"/>
+          <p:cNvSpPr/>
+          <p:nvPr/>
+        </p:nvSpPr>
+        <p:spPr>
+          <a:xfrm>
+            <a:off x="1205861" y="1298803"/>
+            <a:ext cx="360000" cy="360000"/>
+          </a:xfrm>
+          <a:prstGeom prst="rect">
+            <a:avLst/>
+          </a:prstGeom>
+          <a:noFill/>
+        </p:spPr>
+        <p:style>
+          <a:lnRef idx="2">
+            <a:schemeClr val="accent1"/>
+          </a:lnRef>
+          <a:fillRef idx="1">
+            <a:schemeClr val="lt1"/>
+          </a:fillRef>
+          <a:effectRef idx="0">
+            <a:schemeClr val="accent1"/>
+          </a:effectRef>
+          <a:fontRef idx="minor">
+            <a:schemeClr val="dk1"/>
+          </a:fontRef>
+        </p:style>
+        <p:txBody>
+          <a:bodyPr rtlCol="0" anchor="ctr"/>
+          <a:lstStyle/>
+          <a:p>
+            <a:pPr algn="ctr"/>
+            <a:r>
+              <a:rPr lang="en-US" altLang="zh-CN" dirty="0" smtClean="0"/>
+              <a:t>1</a:t>
+            </a:r>
+            <a:endParaRPr lang="zh-CN" altLang="en-US" dirty="0"/>
+          </a:p>
+        </p:txBody>
+      </p:sp>
+      <p:sp>
+        <p:nvSpPr>
+          <p:cNvPr id="8" name="矩形 7"/>
+          <p:cNvSpPr/>
+          <p:nvPr/>
+        </p:nvSpPr>
+        <p:spPr>
+          <a:xfrm>
+            <a:off x="1565861" y="1658803"/>
+            <a:ext cx="360000" cy="360000"/>
+          </a:xfrm>
+          <a:prstGeom prst="rect">
+            <a:avLst/>
+          </a:prstGeom>
+          <a:noFill/>
+        </p:spPr>
+        <p:style>
+          <a:lnRef idx="2">
+            <a:schemeClr val="accent1"/>
+          </a:lnRef>
+          <a:fillRef idx="1">
+            <a:schemeClr val="lt1"/>
+          </a:fillRef>
+          <a:effectRef idx="0">
+            <a:schemeClr val="accent1"/>
+          </a:effectRef>
+          <a:fontRef idx="minor">
+            <a:schemeClr val="dk1"/>
+          </a:fontRef>
+        </p:style>
+        <p:txBody>
+          <a:bodyPr rtlCol="0" anchor="ctr"/>
+          <a:lstStyle/>
+          <a:p>
+            <a:pPr algn="ctr"/>
+            <a:r>
+              <a:rPr lang="en-US" altLang="zh-CN" dirty="0" smtClean="0"/>
+              <a:t>1</a:t>
+            </a:r>
+            <a:endParaRPr lang="zh-CN" altLang="en-US" dirty="0"/>
+          </a:p>
+        </p:txBody>
+      </p:sp>
+      <p:sp>
+        <p:nvSpPr>
+          <p:cNvPr id="9" name="矩形 8"/>
+          <p:cNvSpPr/>
+          <p:nvPr/>
+        </p:nvSpPr>
+        <p:spPr>
+          <a:xfrm>
+            <a:off x="1925861" y="1658803"/>
+            <a:ext cx="360000" cy="360000"/>
+          </a:xfrm>
+          <a:prstGeom prst="rect">
+            <a:avLst/>
+          </a:prstGeom>
+          <a:noFill/>
+        </p:spPr>
+        <p:style>
+          <a:lnRef idx="2">
+            <a:schemeClr val="accent1"/>
+          </a:lnRef>
+          <a:fillRef idx="1">
+            <a:schemeClr val="lt1"/>
+          </a:fillRef>
+          <a:effectRef idx="0">
+            <a:schemeClr val="accent1"/>
+          </a:effectRef>
+          <a:fontRef idx="minor">
+            <a:schemeClr val="dk1"/>
+          </a:fontRef>
+        </p:style>
+        <p:txBody>
+          <a:bodyPr rtlCol="0" anchor="ctr"/>
+          <a:lstStyle/>
+          <a:p>
+            <a:pPr algn="ctr"/>
+            <a:r>
+              <a:rPr lang="en-US" altLang="zh-CN" dirty="0" smtClean="0"/>
+              <a:t>1</a:t>
+            </a:r>
+            <a:endParaRPr lang="zh-CN" altLang="en-US" dirty="0"/>
+          </a:p>
+        </p:txBody>
+      </p:sp>
+      <p:sp>
+        <p:nvSpPr>
+          <p:cNvPr id="10" name="矩形 9"/>
+          <p:cNvSpPr/>
+          <p:nvPr/>
+        </p:nvSpPr>
+        <p:spPr>
+          <a:xfrm>
+            <a:off x="2285861" y="1658803"/>
+            <a:ext cx="360000" cy="360000"/>
+          </a:xfrm>
+          <a:prstGeom prst="rect">
+            <a:avLst/>
+          </a:prstGeom>
+          <a:noFill/>
+        </p:spPr>
+        <p:style>
+          <a:lnRef idx="2">
+            <a:schemeClr val="accent1"/>
+          </a:lnRef>
+          <a:fillRef idx="1">
+            <a:schemeClr val="lt1"/>
+          </a:fillRef>
+          <a:effectRef idx="0">
+            <a:schemeClr val="accent1"/>
+          </a:effectRef>
+          <a:fontRef idx="minor">
+            <a:schemeClr val="dk1"/>
+          </a:fontRef>
+        </p:style>
+        <p:txBody>
+          <a:bodyPr rtlCol="0" anchor="ctr"/>
+          <a:lstStyle/>
+          <a:p>
+            <a:pPr algn="ctr"/>
+            <a:r>
+              <a:rPr lang="en-US" altLang="zh-CN" dirty="0" smtClean="0"/>
+              <a:t>0</a:t>
+            </a:r>
+            <a:endParaRPr lang="zh-CN" altLang="en-US" dirty="0"/>
+          </a:p>
+        </p:txBody>
+      </p:sp>
+      <p:sp>
+        <p:nvSpPr>
+          <p:cNvPr id="11" name="矩形 10"/>
+          <p:cNvSpPr/>
+          <p:nvPr/>
+        </p:nvSpPr>
+        <p:spPr>
+          <a:xfrm>
+            <a:off x="1205861" y="1658803"/>
+            <a:ext cx="360000" cy="360000"/>
+          </a:xfrm>
+          <a:prstGeom prst="rect">
+            <a:avLst/>
+          </a:prstGeom>
+          <a:noFill/>
+        </p:spPr>
+        <p:style>
+          <a:lnRef idx="2">
+            <a:schemeClr val="accent1"/>
+          </a:lnRef>
+          <a:fillRef idx="1">
+            <a:schemeClr val="lt1"/>
+          </a:fillRef>
+          <a:effectRef idx="0">
+            <a:schemeClr val="accent1"/>
+          </a:effectRef>
+          <a:fontRef idx="minor">
+            <a:schemeClr val="dk1"/>
+          </a:fontRef>
+        </p:style>
+        <p:txBody>
+          <a:bodyPr rtlCol="0" anchor="ctr"/>
+          <a:lstStyle/>
+          <a:p>
+            <a:pPr algn="ctr"/>
+            <a:endParaRPr lang="zh-CN" altLang="en-US" dirty="0"/>
+          </a:p>
+        </p:txBody>
+      </p:sp>
+      <p:sp>
+        <p:nvSpPr>
+          <p:cNvPr id="20" name="矩形 19"/>
+          <p:cNvSpPr/>
+          <p:nvPr/>
+        </p:nvSpPr>
+        <p:spPr>
+          <a:xfrm>
+            <a:off x="1565861" y="2018803"/>
+            <a:ext cx="360000" cy="360000"/>
+          </a:xfrm>
+          <a:prstGeom prst="rect">
+            <a:avLst/>
+          </a:prstGeom>
+          <a:noFill/>
+        </p:spPr>
+        <p:style>
+          <a:lnRef idx="2">
+            <a:schemeClr val="accent1"/>
+          </a:lnRef>
+          <a:fillRef idx="1">
+            <a:schemeClr val="lt1"/>
+          </a:fillRef>
+          <a:effectRef idx="0">
+            <a:schemeClr val="accent1"/>
+          </a:effectRef>
+          <a:fontRef idx="minor">
+            <a:schemeClr val="dk1"/>
+          </a:fontRef>
+        </p:style>
+        <p:txBody>
+          <a:bodyPr rtlCol="0" anchor="ctr"/>
+          <a:lstStyle/>
+          <a:p>
+            <a:pPr algn="ctr"/>
+            <a:endParaRPr lang="zh-CN" altLang="en-US" dirty="0"/>
+          </a:p>
+        </p:txBody>
+      </p:sp>
+      <p:sp>
+        <p:nvSpPr>
+          <p:cNvPr id="21" name="矩形 20"/>
+          <p:cNvSpPr/>
+          <p:nvPr/>
+        </p:nvSpPr>
+        <p:spPr>
+          <a:xfrm>
+            <a:off x="1925861" y="2018803"/>
+            <a:ext cx="360000" cy="360000"/>
+          </a:xfrm>
+          <a:prstGeom prst="rect">
+            <a:avLst/>
+          </a:prstGeom>
+          <a:noFill/>
+        </p:spPr>
+        <p:style>
+          <a:lnRef idx="2">
+            <a:schemeClr val="accent1"/>
+          </a:lnRef>
+          <a:fillRef idx="1">
+            <a:schemeClr val="lt1"/>
+          </a:fillRef>
+          <a:effectRef idx="0">
+            <a:schemeClr val="accent1"/>
+          </a:effectRef>
+          <a:fontRef idx="minor">
+            <a:schemeClr val="dk1"/>
+          </a:fontRef>
+        </p:style>
+        <p:txBody>
+          <a:bodyPr rtlCol="0" anchor="ctr"/>
+          <a:lstStyle/>
+          <a:p>
+            <a:pPr algn="ctr"/>
+            <a:r>
+              <a:rPr lang="en-US" altLang="zh-CN" dirty="0" smtClean="0"/>
+              <a:t>1</a:t>
+            </a:r>
+            <a:endParaRPr lang="zh-CN" altLang="en-US" dirty="0"/>
+          </a:p>
+        </p:txBody>
+      </p:sp>
+      <p:sp>
+        <p:nvSpPr>
+          <p:cNvPr id="22" name="矩形 21"/>
+          <p:cNvSpPr/>
+          <p:nvPr/>
+        </p:nvSpPr>
+        <p:spPr>
+          <a:xfrm>
+            <a:off x="2285861" y="2018803"/>
+            <a:ext cx="360000" cy="360000"/>
+          </a:xfrm>
+          <a:prstGeom prst="rect">
+            <a:avLst/>
+          </a:prstGeom>
+          <a:noFill/>
+        </p:spPr>
+        <p:style>
+          <a:lnRef idx="2">
+            <a:schemeClr val="accent1"/>
+          </a:lnRef>
+          <a:fillRef idx="1">
+            <a:schemeClr val="lt1"/>
+          </a:fillRef>
+          <a:effectRef idx="0">
+            <a:schemeClr val="accent1"/>
+          </a:effectRef>
+          <a:fontRef idx="minor">
+            <a:schemeClr val="dk1"/>
+          </a:fontRef>
+        </p:style>
+        <p:txBody>
+          <a:bodyPr rtlCol="0" anchor="ctr"/>
+          <a:lstStyle/>
+          <a:p>
+            <a:pPr algn="ctr"/>
+            <a:r>
+              <a:rPr lang="en-US" altLang="zh-CN" dirty="0" smtClean="0"/>
+              <a:t>0</a:t>
+            </a:r>
+            <a:endParaRPr lang="zh-CN" altLang="en-US" dirty="0"/>
+          </a:p>
+        </p:txBody>
+      </p:sp>
+      <p:sp>
+        <p:nvSpPr>
+          <p:cNvPr id="23" name="矩形 22"/>
+          <p:cNvSpPr/>
+          <p:nvPr/>
+        </p:nvSpPr>
+        <p:spPr>
+          <a:xfrm>
+            <a:off x="1205861" y="2018803"/>
+            <a:ext cx="360000" cy="360000"/>
+          </a:xfrm>
+          <a:prstGeom prst="rect">
+            <a:avLst/>
+          </a:prstGeom>
+          <a:noFill/>
+        </p:spPr>
+        <p:style>
+          <a:lnRef idx="2">
+            <a:schemeClr val="accent1"/>
+          </a:lnRef>
+          <a:fillRef idx="1">
+            <a:schemeClr val="lt1"/>
+          </a:fillRef>
+          <a:effectRef idx="0">
+            <a:schemeClr val="accent1"/>
+          </a:effectRef>
+          <a:fontRef idx="minor">
+            <a:schemeClr val="dk1"/>
+          </a:fontRef>
+        </p:style>
+        <p:txBody>
+          <a:bodyPr rtlCol="0" anchor="ctr"/>
+          <a:lstStyle/>
+          <a:p>
+            <a:pPr algn="ctr"/>
+            <a:endParaRPr lang="zh-CN" altLang="en-US" dirty="0"/>
+          </a:p>
+        </p:txBody>
+      </p:sp>
+      <p:sp>
+        <p:nvSpPr>
+          <p:cNvPr id="24" name="矩形 23"/>
+          <p:cNvSpPr/>
+          <p:nvPr/>
+        </p:nvSpPr>
+        <p:spPr>
+          <a:xfrm>
+            <a:off x="1565861" y="2378803"/>
+            <a:ext cx="360000" cy="360000"/>
+          </a:xfrm>
+          <a:prstGeom prst="rect">
+            <a:avLst/>
+          </a:prstGeom>
+          <a:noFill/>
+        </p:spPr>
+        <p:style>
+          <a:lnRef idx="2">
+            <a:schemeClr val="accent1"/>
+          </a:lnRef>
+          <a:fillRef idx="1">
+            <a:schemeClr val="lt1"/>
+          </a:fillRef>
+          <a:effectRef idx="0">
+            <a:schemeClr val="accent1"/>
+          </a:effectRef>
+          <a:fontRef idx="minor">
+            <a:schemeClr val="dk1"/>
+          </a:fontRef>
+        </p:style>
+        <p:txBody>
+          <a:bodyPr rtlCol="0" anchor="ctr"/>
+          <a:lstStyle/>
+          <a:p>
+            <a:pPr algn="ctr"/>
+            <a:endParaRPr lang="zh-CN" altLang="en-US" dirty="0"/>
+          </a:p>
+        </p:txBody>
+      </p:sp>
+      <p:sp>
+        <p:nvSpPr>
+          <p:cNvPr id="25" name="矩形 24"/>
+          <p:cNvSpPr/>
+          <p:nvPr/>
+        </p:nvSpPr>
+        <p:spPr>
+          <a:xfrm>
+            <a:off x="1925861" y="2378803"/>
+            <a:ext cx="360000" cy="360000"/>
+          </a:xfrm>
+          <a:prstGeom prst="rect">
+            <a:avLst/>
+          </a:prstGeom>
+          <a:noFill/>
+        </p:spPr>
+        <p:style>
+          <a:lnRef idx="2">
+            <a:schemeClr val="accent1"/>
+          </a:lnRef>
+          <a:fillRef idx="1">
+            <a:schemeClr val="lt1"/>
+          </a:fillRef>
+          <a:effectRef idx="0">
+            <a:schemeClr val="accent1"/>
+          </a:effectRef>
+          <a:fontRef idx="minor">
+            <a:schemeClr val="dk1"/>
+          </a:fontRef>
+        </p:style>
+        <p:txBody>
+          <a:bodyPr rtlCol="0" anchor="ctr"/>
+          <a:lstStyle/>
+          <a:p>
+            <a:pPr algn="ctr"/>
+            <a:endParaRPr lang="zh-CN" altLang="en-US" dirty="0"/>
+          </a:p>
+        </p:txBody>
+      </p:sp>
+      <p:sp>
+        <p:nvSpPr>
+          <p:cNvPr id="26" name="矩形 25"/>
+          <p:cNvSpPr/>
+          <p:nvPr/>
+        </p:nvSpPr>
+        <p:spPr>
+          <a:xfrm>
+            <a:off x="2285861" y="2378803"/>
+            <a:ext cx="360000" cy="360000"/>
+          </a:xfrm>
+          <a:prstGeom prst="rect">
+            <a:avLst/>
+          </a:prstGeom>
+          <a:noFill/>
+        </p:spPr>
+        <p:style>
+          <a:lnRef idx="2">
+            <a:schemeClr val="accent1"/>
+          </a:lnRef>
+          <a:fillRef idx="1">
+            <a:schemeClr val="lt1"/>
+          </a:fillRef>
+          <a:effectRef idx="0">
+            <a:schemeClr val="accent1"/>
+          </a:effectRef>
+          <a:fontRef idx="minor">
+            <a:schemeClr val="dk1"/>
+          </a:fontRef>
+        </p:style>
+        <p:txBody>
+          <a:bodyPr rtlCol="0" anchor="ctr"/>
+          <a:lstStyle/>
+          <a:p>
+            <a:pPr algn="ctr"/>
+            <a:r>
+              <a:rPr lang="en-US" altLang="zh-CN" dirty="0" smtClean="0"/>
+              <a:t>1</a:t>
+            </a:r>
+            <a:endParaRPr lang="zh-CN" altLang="en-US" dirty="0"/>
+          </a:p>
+        </p:txBody>
+      </p:sp>
+      <p:sp>
+        <p:nvSpPr>
+          <p:cNvPr id="27" name="矩形 26"/>
+          <p:cNvSpPr/>
+          <p:nvPr/>
+        </p:nvSpPr>
+        <p:spPr>
+          <a:xfrm>
+            <a:off x="1205861" y="2378803"/>
+            <a:ext cx="360000" cy="360000"/>
+          </a:xfrm>
+          <a:prstGeom prst="rect">
+            <a:avLst/>
+          </a:prstGeom>
+          <a:noFill/>
+        </p:spPr>
+        <p:style>
+          <a:lnRef idx="2">
+            <a:schemeClr val="accent1"/>
+          </a:lnRef>
+          <a:fillRef idx="1">
+            <a:schemeClr val="lt1"/>
+          </a:fillRef>
+          <a:effectRef idx="0">
+            <a:schemeClr val="accent1"/>
+          </a:effectRef>
+          <a:fontRef idx="minor">
+            <a:schemeClr val="dk1"/>
+          </a:fontRef>
+        </p:style>
+        <p:txBody>
+          <a:bodyPr rtlCol="0" anchor="ctr"/>
+          <a:lstStyle/>
+          <a:p>
+            <a:pPr algn="ctr"/>
+            <a:endParaRPr lang="zh-CN" altLang="en-US" dirty="0"/>
+          </a:p>
+        </p:txBody>
+      </p:sp>
+      <p:sp>
+        <p:nvSpPr>
+          <p:cNvPr id="28" name="文本框 27"/>
+          <p:cNvSpPr txBox="1"/>
+          <p:nvPr/>
+        </p:nvSpPr>
+        <p:spPr>
+          <a:xfrm>
+            <a:off x="1284499" y="934137"/>
+            <a:ext cx="1282723" cy="369332"/>
+          </a:xfrm>
+          <a:prstGeom prst="rect">
+            <a:avLst/>
+          </a:prstGeom>
+          <a:noFill/>
+        </p:spPr>
+        <p:txBody>
+          <a:bodyPr wrap="none" rtlCol="0">
+            <a:spAutoFit/>
+          </a:bodyPr>
+          <a:lstStyle/>
+          <a:p>
+            <a:r>
+              <a:rPr lang="en-US" altLang="zh-CN" dirty="0" smtClean="0"/>
+              <a:t>c    b    </a:t>
+            </a:r>
+            <a:r>
+              <a:rPr lang="en-US" altLang="zh-CN" dirty="0" err="1" smtClean="0"/>
+              <a:t>b</a:t>
+            </a:r>
+            <a:r>
+              <a:rPr lang="en-US" altLang="zh-CN" dirty="0" smtClean="0"/>
+              <a:t>    d</a:t>
+            </a:r>
+            <a:endParaRPr lang="zh-CN" altLang="en-US" dirty="0"/>
+          </a:p>
+        </p:txBody>
+      </p:sp>
+      <p:sp>
+        <p:nvSpPr>
+          <p:cNvPr id="31" name="文本框 30"/>
+          <p:cNvSpPr txBox="1"/>
+          <p:nvPr/>
+        </p:nvSpPr>
+        <p:spPr>
+          <a:xfrm>
+            <a:off x="844772" y="1284805"/>
+            <a:ext cx="282450" cy="369332"/>
+          </a:xfrm>
+          <a:prstGeom prst="rect">
+            <a:avLst/>
+          </a:prstGeom>
+          <a:noFill/>
+        </p:spPr>
+        <p:txBody>
+          <a:bodyPr wrap="none" rtlCol="0">
+            <a:spAutoFit/>
+          </a:bodyPr>
+          <a:lstStyle/>
+          <a:p>
+            <a:r>
+              <a:rPr lang="en-US" altLang="zh-CN" dirty="0" smtClean="0"/>
+              <a:t>c</a:t>
+            </a:r>
+            <a:endParaRPr lang="zh-CN" altLang="en-US" dirty="0"/>
+          </a:p>
+        </p:txBody>
+      </p:sp>
+      <p:sp>
+        <p:nvSpPr>
+          <p:cNvPr id="32" name="文本框 31"/>
+          <p:cNvSpPr txBox="1"/>
+          <p:nvPr/>
+        </p:nvSpPr>
+        <p:spPr>
+          <a:xfrm>
+            <a:off x="838200" y="1644959"/>
+            <a:ext cx="306494" cy="369332"/>
+          </a:xfrm>
+          <a:prstGeom prst="rect">
+            <a:avLst/>
+          </a:prstGeom>
+          <a:noFill/>
+        </p:spPr>
+        <p:txBody>
+          <a:bodyPr wrap="none" rtlCol="0">
+            <a:spAutoFit/>
+          </a:bodyPr>
+          <a:lstStyle/>
+          <a:p>
+            <a:r>
+              <a:rPr lang="en-US" altLang="zh-CN" dirty="0" smtClean="0"/>
+              <a:t>b</a:t>
+            </a:r>
+            <a:endParaRPr lang="zh-CN" altLang="en-US" dirty="0"/>
+          </a:p>
+        </p:txBody>
+      </p:sp>
+      <p:sp>
+        <p:nvSpPr>
+          <p:cNvPr id="33" name="文本框 32"/>
+          <p:cNvSpPr txBox="1"/>
+          <p:nvPr/>
+        </p:nvSpPr>
+        <p:spPr>
+          <a:xfrm>
+            <a:off x="838200" y="2360447"/>
+            <a:ext cx="306494" cy="369332"/>
+          </a:xfrm>
+          <a:prstGeom prst="rect">
+            <a:avLst/>
+          </a:prstGeom>
+          <a:noFill/>
+        </p:spPr>
+        <p:txBody>
+          <a:bodyPr wrap="none" rtlCol="0">
+            <a:spAutoFit/>
+          </a:bodyPr>
+          <a:lstStyle/>
+          <a:p>
+            <a:r>
+              <a:rPr lang="en-US" altLang="zh-CN" dirty="0"/>
+              <a:t>d</a:t>
+            </a:r>
+            <a:endParaRPr lang="zh-CN" altLang="en-US" dirty="0"/>
+          </a:p>
+        </p:txBody>
+      </p:sp>
+      <p:sp>
+        <p:nvSpPr>
+          <p:cNvPr id="34" name="文本框 33"/>
+          <p:cNvSpPr txBox="1"/>
+          <p:nvPr/>
+        </p:nvSpPr>
+        <p:spPr>
+          <a:xfrm>
+            <a:off x="838200" y="2014291"/>
+            <a:ext cx="306494" cy="369332"/>
+          </a:xfrm>
+          <a:prstGeom prst="rect">
+            <a:avLst/>
+          </a:prstGeom>
+          <a:noFill/>
+        </p:spPr>
+        <p:txBody>
+          <a:bodyPr wrap="none" rtlCol="0">
+            <a:spAutoFit/>
+          </a:bodyPr>
+          <a:lstStyle/>
+          <a:p>
+            <a:r>
+              <a:rPr lang="en-US" altLang="zh-CN" dirty="0" smtClean="0"/>
+              <a:t>b</a:t>
+            </a:r>
+            <a:endParaRPr lang="zh-CN" altLang="en-US" dirty="0"/>
+          </a:p>
+        </p:txBody>
+      </p:sp>
+      <p:sp>
+        <p:nvSpPr>
+          <p:cNvPr id="79" name="矩形 78"/>
+          <p:cNvSpPr/>
+          <p:nvPr/>
+        </p:nvSpPr>
+        <p:spPr>
+          <a:xfrm>
+            <a:off x="1565861" y="3179334"/>
+            <a:ext cx="360000" cy="360000"/>
+          </a:xfrm>
+          <a:prstGeom prst="rect">
+            <a:avLst/>
+          </a:prstGeom>
+          <a:noFill/>
+        </p:spPr>
+        <p:style>
+          <a:lnRef idx="2">
+            <a:schemeClr val="accent1"/>
+          </a:lnRef>
+          <a:fillRef idx="1">
+            <a:schemeClr val="lt1"/>
+          </a:fillRef>
+          <a:effectRef idx="0">
+            <a:schemeClr val="accent1"/>
+          </a:effectRef>
+          <a:fontRef idx="minor">
+            <a:schemeClr val="dk1"/>
+          </a:fontRef>
+        </p:style>
+        <p:txBody>
+          <a:bodyPr rtlCol="0" anchor="ctr"/>
+          <a:lstStyle/>
+          <a:p>
+            <a:pPr algn="ctr"/>
+            <a:r>
+              <a:rPr lang="en-US" altLang="zh-CN" dirty="0"/>
+              <a:t>0</a:t>
+            </a:r>
+            <a:endParaRPr lang="zh-CN" altLang="en-US" dirty="0"/>
+          </a:p>
+        </p:txBody>
+      </p:sp>
+      <p:sp>
+        <p:nvSpPr>
+          <p:cNvPr id="80" name="矩形 79"/>
+          <p:cNvSpPr/>
+          <p:nvPr/>
+        </p:nvSpPr>
+        <p:spPr>
+          <a:xfrm>
+            <a:off x="1925861" y="3179334"/>
+            <a:ext cx="360000" cy="360000"/>
+          </a:xfrm>
+          <a:prstGeom prst="rect">
+            <a:avLst/>
+          </a:prstGeom>
+          <a:noFill/>
+        </p:spPr>
+        <p:style>
+          <a:lnRef idx="2">
+            <a:schemeClr val="accent1"/>
+          </a:lnRef>
+          <a:fillRef idx="1">
+            <a:schemeClr val="lt1"/>
+          </a:fillRef>
+          <a:effectRef idx="0">
+            <a:schemeClr val="accent1"/>
+          </a:effectRef>
+          <a:fontRef idx="minor">
+            <a:schemeClr val="dk1"/>
+          </a:fontRef>
+        </p:style>
+        <p:txBody>
+          <a:bodyPr rtlCol="0" anchor="ctr"/>
+          <a:lstStyle/>
+          <a:p>
+            <a:pPr algn="ctr"/>
+            <a:r>
+              <a:rPr lang="en-US" altLang="zh-CN" dirty="0" smtClean="0"/>
+              <a:t>0</a:t>
+            </a:r>
+            <a:endParaRPr lang="zh-CN" altLang="en-US" dirty="0"/>
+          </a:p>
+        </p:txBody>
+      </p:sp>
+      <p:sp>
+        <p:nvSpPr>
+          <p:cNvPr id="81" name="矩形 80"/>
+          <p:cNvSpPr/>
+          <p:nvPr/>
+        </p:nvSpPr>
+        <p:spPr>
+          <a:xfrm>
+            <a:off x="2285861" y="3179334"/>
+            <a:ext cx="360000" cy="360000"/>
+          </a:xfrm>
+          <a:prstGeom prst="rect">
+            <a:avLst/>
+          </a:prstGeom>
+          <a:solidFill>
+            <a:srgbClr val="00B0F0"/>
+          </a:solidFill>
+        </p:spPr>
+        <p:style>
+          <a:lnRef idx="2">
+            <a:schemeClr val="accent1"/>
+          </a:lnRef>
+          <a:fillRef idx="1">
+            <a:schemeClr val="lt1"/>
+          </a:fillRef>
+          <a:effectRef idx="0">
+            <a:schemeClr val="accent1"/>
+          </a:effectRef>
+          <a:fontRef idx="minor">
+            <a:schemeClr val="dk1"/>
+          </a:fontRef>
+        </p:style>
+        <p:txBody>
+          <a:bodyPr rtlCol="0" anchor="ctr"/>
+          <a:lstStyle/>
+          <a:p>
+            <a:pPr algn="ctr"/>
+            <a:r>
+              <a:rPr lang="en-US" altLang="zh-CN" dirty="0" smtClean="0"/>
+              <a:t>0</a:t>
+            </a:r>
+            <a:endParaRPr lang="zh-CN" altLang="en-US" dirty="0"/>
+          </a:p>
+        </p:txBody>
+      </p:sp>
+      <p:sp>
+        <p:nvSpPr>
+          <p:cNvPr id="82" name="矩形 81"/>
+          <p:cNvSpPr/>
+          <p:nvPr/>
+        </p:nvSpPr>
+        <p:spPr>
+          <a:xfrm>
+            <a:off x="1205861" y="3179334"/>
+            <a:ext cx="360000" cy="360000"/>
+          </a:xfrm>
+          <a:prstGeom prst="rect">
+            <a:avLst/>
+          </a:prstGeom>
+          <a:noFill/>
+        </p:spPr>
+        <p:style>
+          <a:lnRef idx="2">
+            <a:schemeClr val="accent1"/>
+          </a:lnRef>
+          <a:fillRef idx="1">
+            <a:schemeClr val="lt1"/>
+          </a:fillRef>
+          <a:effectRef idx="0">
+            <a:schemeClr val="accent1"/>
+          </a:effectRef>
+          <a:fontRef idx="minor">
+            <a:schemeClr val="dk1"/>
+          </a:fontRef>
+        </p:style>
+        <p:txBody>
+          <a:bodyPr rtlCol="0" anchor="ctr"/>
+          <a:lstStyle/>
+          <a:p>
+            <a:pPr algn="ctr"/>
+            <a:r>
+              <a:rPr lang="en-US" altLang="zh-CN" dirty="0" smtClean="0"/>
+              <a:t>1</a:t>
+            </a:r>
+            <a:endParaRPr lang="zh-CN" altLang="en-US" dirty="0"/>
+          </a:p>
+        </p:txBody>
+      </p:sp>
+      <p:sp>
+        <p:nvSpPr>
+          <p:cNvPr id="83" name="矩形 82"/>
+          <p:cNvSpPr/>
+          <p:nvPr/>
+        </p:nvSpPr>
+        <p:spPr>
+          <a:xfrm>
+            <a:off x="1565861" y="3539334"/>
+            <a:ext cx="360000" cy="360000"/>
+          </a:xfrm>
+          <a:prstGeom prst="rect">
+            <a:avLst/>
+          </a:prstGeom>
+          <a:noFill/>
+        </p:spPr>
+        <p:style>
+          <a:lnRef idx="2">
+            <a:schemeClr val="accent1"/>
+          </a:lnRef>
+          <a:fillRef idx="1">
+            <a:schemeClr val="lt1"/>
+          </a:fillRef>
+          <a:effectRef idx="0">
+            <a:schemeClr val="accent1"/>
+          </a:effectRef>
+          <a:fontRef idx="minor">
+            <a:schemeClr val="dk1"/>
+          </a:fontRef>
+        </p:style>
+        <p:txBody>
+          <a:bodyPr rtlCol="0" anchor="ctr"/>
+          <a:lstStyle/>
+          <a:p>
+            <a:pPr algn="ctr"/>
+            <a:r>
+              <a:rPr lang="en-US" altLang="zh-CN" dirty="0" smtClean="0"/>
+              <a:t>1</a:t>
+            </a:r>
+            <a:endParaRPr lang="zh-CN" altLang="en-US" dirty="0"/>
+          </a:p>
+        </p:txBody>
+      </p:sp>
+      <p:sp>
+        <p:nvSpPr>
+          <p:cNvPr id="84" name="矩形 83"/>
+          <p:cNvSpPr/>
+          <p:nvPr/>
+        </p:nvSpPr>
+        <p:spPr>
+          <a:xfrm>
+            <a:off x="1925861" y="3539334"/>
+            <a:ext cx="360000" cy="360000"/>
+          </a:xfrm>
+          <a:prstGeom prst="rect">
+            <a:avLst/>
+          </a:prstGeom>
+          <a:noFill/>
+        </p:spPr>
+        <p:style>
+          <a:lnRef idx="2">
+            <a:schemeClr val="accent1"/>
+          </a:lnRef>
+          <a:fillRef idx="1">
+            <a:schemeClr val="lt1"/>
+          </a:fillRef>
+          <a:effectRef idx="0">
+            <a:schemeClr val="accent1"/>
+          </a:effectRef>
+          <a:fontRef idx="minor">
+            <a:schemeClr val="dk1"/>
+          </a:fontRef>
+        </p:style>
+        <p:txBody>
+          <a:bodyPr rtlCol="0" anchor="ctr"/>
+          <a:lstStyle/>
+          <a:p>
+            <a:pPr algn="ctr"/>
+            <a:r>
+              <a:rPr lang="en-US" altLang="zh-CN" dirty="0" smtClean="0"/>
+              <a:t>1</a:t>
+            </a:r>
+            <a:endParaRPr lang="zh-CN" altLang="en-US" dirty="0"/>
+          </a:p>
+        </p:txBody>
+      </p:sp>
+      <p:sp>
+        <p:nvSpPr>
+          <p:cNvPr id="85" name="矩形 84"/>
+          <p:cNvSpPr/>
+          <p:nvPr/>
+        </p:nvSpPr>
+        <p:spPr>
+          <a:xfrm>
+            <a:off x="2285861" y="3539334"/>
+            <a:ext cx="360000" cy="360000"/>
+          </a:xfrm>
+          <a:prstGeom prst="rect">
+            <a:avLst/>
+          </a:prstGeom>
+          <a:noFill/>
+        </p:spPr>
+        <p:style>
+          <a:lnRef idx="2">
+            <a:schemeClr val="accent1"/>
+          </a:lnRef>
+          <a:fillRef idx="1">
+            <a:schemeClr val="lt1"/>
+          </a:fillRef>
+          <a:effectRef idx="0">
+            <a:schemeClr val="accent1"/>
+          </a:effectRef>
+          <a:fontRef idx="minor">
+            <a:schemeClr val="dk1"/>
+          </a:fontRef>
+        </p:style>
+        <p:txBody>
+          <a:bodyPr rtlCol="0" anchor="ctr"/>
+          <a:lstStyle/>
+          <a:p>
+            <a:pPr algn="ctr"/>
+            <a:r>
+              <a:rPr lang="en-US" altLang="zh-CN" dirty="0" smtClean="0"/>
+              <a:t>0</a:t>
+            </a:r>
+            <a:endParaRPr lang="zh-CN" altLang="en-US" dirty="0"/>
+          </a:p>
+        </p:txBody>
+      </p:sp>
+      <p:sp>
+        <p:nvSpPr>
+          <p:cNvPr id="86" name="矩形 85"/>
+          <p:cNvSpPr/>
+          <p:nvPr/>
+        </p:nvSpPr>
+        <p:spPr>
+          <a:xfrm>
+            <a:off x="1205861" y="3539334"/>
+            <a:ext cx="360000" cy="360000"/>
+          </a:xfrm>
+          <a:prstGeom prst="rect">
+            <a:avLst/>
+          </a:prstGeom>
+          <a:noFill/>
+        </p:spPr>
+        <p:style>
+          <a:lnRef idx="2">
+            <a:schemeClr val="accent1"/>
+          </a:lnRef>
+          <a:fillRef idx="1">
+            <a:schemeClr val="lt1"/>
+          </a:fillRef>
+          <a:effectRef idx="0">
+            <a:schemeClr val="accent1"/>
+          </a:effectRef>
+          <a:fontRef idx="minor">
+            <a:schemeClr val="dk1"/>
+          </a:fontRef>
+        </p:style>
+        <p:txBody>
+          <a:bodyPr rtlCol="0" anchor="ctr"/>
+          <a:lstStyle/>
+          <a:p>
+            <a:pPr algn="ctr"/>
+            <a:endParaRPr lang="zh-CN" altLang="en-US" dirty="0"/>
+          </a:p>
+        </p:txBody>
+      </p:sp>
+      <p:sp>
+        <p:nvSpPr>
+          <p:cNvPr id="87" name="矩形 86"/>
+          <p:cNvSpPr/>
+          <p:nvPr/>
+        </p:nvSpPr>
+        <p:spPr>
+          <a:xfrm>
+            <a:off x="1565861" y="3899334"/>
+            <a:ext cx="360000" cy="360000"/>
+          </a:xfrm>
+          <a:prstGeom prst="rect">
+            <a:avLst/>
+          </a:prstGeom>
+          <a:noFill/>
+        </p:spPr>
+        <p:style>
+          <a:lnRef idx="2">
+            <a:schemeClr val="accent1"/>
+          </a:lnRef>
+          <a:fillRef idx="1">
+            <a:schemeClr val="lt1"/>
+          </a:fillRef>
+          <a:effectRef idx="0">
+            <a:schemeClr val="accent1"/>
+          </a:effectRef>
+          <a:fontRef idx="minor">
+            <a:schemeClr val="dk1"/>
+          </a:fontRef>
+        </p:style>
+        <p:txBody>
+          <a:bodyPr rtlCol="0" anchor="ctr"/>
+          <a:lstStyle/>
+          <a:p>
+            <a:pPr algn="ctr"/>
+            <a:endParaRPr lang="zh-CN" altLang="en-US" dirty="0"/>
+          </a:p>
+        </p:txBody>
+      </p:sp>
+      <p:sp>
+        <p:nvSpPr>
+          <p:cNvPr id="88" name="矩形 87"/>
+          <p:cNvSpPr/>
+          <p:nvPr/>
+        </p:nvSpPr>
+        <p:spPr>
+          <a:xfrm>
+            <a:off x="1925861" y="3899334"/>
+            <a:ext cx="360000" cy="360000"/>
+          </a:xfrm>
+          <a:prstGeom prst="rect">
+            <a:avLst/>
+          </a:prstGeom>
+          <a:noFill/>
+        </p:spPr>
+        <p:style>
+          <a:lnRef idx="2">
+            <a:schemeClr val="accent1"/>
+          </a:lnRef>
+          <a:fillRef idx="1">
+            <a:schemeClr val="lt1"/>
+          </a:fillRef>
+          <a:effectRef idx="0">
+            <a:schemeClr val="accent1"/>
+          </a:effectRef>
+          <a:fontRef idx="minor">
+            <a:schemeClr val="dk1"/>
+          </a:fontRef>
+        </p:style>
+        <p:txBody>
+          <a:bodyPr rtlCol="0" anchor="ctr"/>
+          <a:lstStyle/>
+          <a:p>
+            <a:pPr algn="ctr"/>
+            <a:r>
+              <a:rPr lang="en-US" altLang="zh-CN" dirty="0" smtClean="0"/>
+              <a:t>1</a:t>
+            </a:r>
+            <a:endParaRPr lang="zh-CN" altLang="en-US" dirty="0"/>
+          </a:p>
+        </p:txBody>
+      </p:sp>
+      <p:sp>
+        <p:nvSpPr>
+          <p:cNvPr id="89" name="矩形 88"/>
+          <p:cNvSpPr/>
+          <p:nvPr/>
+        </p:nvSpPr>
+        <p:spPr>
+          <a:xfrm>
+            <a:off x="2285861" y="3899334"/>
+            <a:ext cx="360000" cy="360000"/>
+          </a:xfrm>
+          <a:prstGeom prst="rect">
+            <a:avLst/>
+          </a:prstGeom>
+          <a:noFill/>
+        </p:spPr>
+        <p:style>
+          <a:lnRef idx="2">
+            <a:schemeClr val="accent1"/>
+          </a:lnRef>
+          <a:fillRef idx="1">
+            <a:schemeClr val="lt1"/>
+          </a:fillRef>
+          <a:effectRef idx="0">
+            <a:schemeClr val="accent1"/>
+          </a:effectRef>
+          <a:fontRef idx="minor">
+            <a:schemeClr val="dk1"/>
+          </a:fontRef>
+        </p:style>
+        <p:txBody>
+          <a:bodyPr rtlCol="0" anchor="ctr"/>
+          <a:lstStyle/>
+          <a:p>
+            <a:pPr algn="ctr"/>
+            <a:r>
+              <a:rPr lang="en-US" altLang="zh-CN" dirty="0" smtClean="0"/>
+              <a:t>0</a:t>
+            </a:r>
+            <a:endParaRPr lang="zh-CN" altLang="en-US" dirty="0"/>
+          </a:p>
+        </p:txBody>
+      </p:sp>
+      <p:sp>
+        <p:nvSpPr>
+          <p:cNvPr id="90" name="矩形 89"/>
+          <p:cNvSpPr/>
+          <p:nvPr/>
+        </p:nvSpPr>
+        <p:spPr>
+          <a:xfrm>
+            <a:off x="1205861" y="3899334"/>
+            <a:ext cx="360000" cy="360000"/>
+          </a:xfrm>
+          <a:prstGeom prst="rect">
+            <a:avLst/>
+          </a:prstGeom>
+          <a:noFill/>
+        </p:spPr>
+        <p:style>
+          <a:lnRef idx="2">
+            <a:schemeClr val="accent1"/>
+          </a:lnRef>
+          <a:fillRef idx="1">
+            <a:schemeClr val="lt1"/>
+          </a:fillRef>
+          <a:effectRef idx="0">
+            <a:schemeClr val="accent1"/>
+          </a:effectRef>
+          <a:fontRef idx="minor">
+            <a:schemeClr val="dk1"/>
+          </a:fontRef>
+        </p:style>
+        <p:txBody>
+          <a:bodyPr rtlCol="0" anchor="ctr"/>
+          <a:lstStyle/>
+          <a:p>
+            <a:pPr algn="ctr"/>
+            <a:endParaRPr lang="zh-CN" altLang="en-US" dirty="0"/>
+          </a:p>
+        </p:txBody>
+      </p:sp>
+      <p:sp>
+        <p:nvSpPr>
+          <p:cNvPr id="91" name="矩形 90"/>
+          <p:cNvSpPr/>
+          <p:nvPr/>
+        </p:nvSpPr>
+        <p:spPr>
+          <a:xfrm>
+            <a:off x="1565861" y="4259334"/>
+            <a:ext cx="360000" cy="360000"/>
+          </a:xfrm>
+          <a:prstGeom prst="rect">
+            <a:avLst/>
+          </a:prstGeom>
+          <a:noFill/>
+        </p:spPr>
+        <p:style>
+          <a:lnRef idx="2">
+            <a:schemeClr val="accent1"/>
+          </a:lnRef>
+          <a:fillRef idx="1">
+            <a:schemeClr val="lt1"/>
+          </a:fillRef>
+          <a:effectRef idx="0">
+            <a:schemeClr val="accent1"/>
+          </a:effectRef>
+          <a:fontRef idx="minor">
+            <a:schemeClr val="dk1"/>
+          </a:fontRef>
+        </p:style>
+        <p:txBody>
+          <a:bodyPr rtlCol="0" anchor="ctr"/>
+          <a:lstStyle/>
+          <a:p>
+            <a:pPr algn="ctr"/>
+            <a:endParaRPr lang="zh-CN" altLang="en-US" dirty="0"/>
+          </a:p>
+        </p:txBody>
+      </p:sp>
+      <p:sp>
+        <p:nvSpPr>
+          <p:cNvPr id="92" name="矩形 91"/>
+          <p:cNvSpPr/>
+          <p:nvPr/>
+        </p:nvSpPr>
+        <p:spPr>
+          <a:xfrm>
+            <a:off x="1925861" y="4259334"/>
+            <a:ext cx="360000" cy="360000"/>
+          </a:xfrm>
+          <a:prstGeom prst="rect">
+            <a:avLst/>
+          </a:prstGeom>
+          <a:noFill/>
+        </p:spPr>
+        <p:style>
+          <a:lnRef idx="2">
+            <a:schemeClr val="accent1"/>
+          </a:lnRef>
+          <a:fillRef idx="1">
+            <a:schemeClr val="lt1"/>
+          </a:fillRef>
+          <a:effectRef idx="0">
+            <a:schemeClr val="accent1"/>
+          </a:effectRef>
+          <a:fontRef idx="minor">
+            <a:schemeClr val="dk1"/>
+          </a:fontRef>
+        </p:style>
+        <p:txBody>
+          <a:bodyPr rtlCol="0" anchor="ctr"/>
+          <a:lstStyle/>
+          <a:p>
+            <a:pPr algn="ctr"/>
+            <a:endParaRPr lang="zh-CN" altLang="en-US" dirty="0"/>
+          </a:p>
+        </p:txBody>
+      </p:sp>
+      <p:sp>
+        <p:nvSpPr>
+          <p:cNvPr id="93" name="矩形 92"/>
+          <p:cNvSpPr/>
+          <p:nvPr/>
+        </p:nvSpPr>
+        <p:spPr>
+          <a:xfrm>
+            <a:off x="2285861" y="4259334"/>
+            <a:ext cx="360000" cy="360000"/>
+          </a:xfrm>
+          <a:prstGeom prst="rect">
+            <a:avLst/>
+          </a:prstGeom>
+          <a:noFill/>
+        </p:spPr>
+        <p:style>
+          <a:lnRef idx="2">
+            <a:schemeClr val="accent1"/>
+          </a:lnRef>
+          <a:fillRef idx="1">
+            <a:schemeClr val="lt1"/>
+          </a:fillRef>
+          <a:effectRef idx="0">
+            <a:schemeClr val="accent1"/>
+          </a:effectRef>
+          <a:fontRef idx="minor">
+            <a:schemeClr val="dk1"/>
+          </a:fontRef>
+        </p:style>
+        <p:txBody>
+          <a:bodyPr rtlCol="0" anchor="ctr"/>
+          <a:lstStyle/>
+          <a:p>
+            <a:pPr algn="ctr"/>
+            <a:r>
+              <a:rPr lang="en-US" altLang="zh-CN" dirty="0" smtClean="0"/>
+              <a:t>1</a:t>
+            </a:r>
+            <a:endParaRPr lang="zh-CN" altLang="en-US" dirty="0"/>
+          </a:p>
+        </p:txBody>
+      </p:sp>
+      <p:sp>
+        <p:nvSpPr>
+          <p:cNvPr id="94" name="矩形 93"/>
+          <p:cNvSpPr/>
+          <p:nvPr/>
+        </p:nvSpPr>
+        <p:spPr>
+          <a:xfrm>
+            <a:off x="1205861" y="4259334"/>
+            <a:ext cx="360000" cy="360000"/>
+          </a:xfrm>
+          <a:prstGeom prst="rect">
+            <a:avLst/>
+          </a:prstGeom>
+          <a:noFill/>
+        </p:spPr>
+        <p:style>
+          <a:lnRef idx="2">
+            <a:schemeClr val="accent1"/>
+          </a:lnRef>
+          <a:fillRef idx="1">
+            <a:schemeClr val="lt1"/>
+          </a:fillRef>
+          <a:effectRef idx="0">
+            <a:schemeClr val="accent1"/>
+          </a:effectRef>
+          <a:fontRef idx="minor">
+            <a:schemeClr val="dk1"/>
+          </a:fontRef>
+        </p:style>
+        <p:txBody>
+          <a:bodyPr rtlCol="0" anchor="ctr"/>
+          <a:lstStyle/>
+          <a:p>
+            <a:pPr algn="ctr"/>
+            <a:endParaRPr lang="zh-CN" altLang="en-US" dirty="0"/>
+          </a:p>
+        </p:txBody>
+      </p:sp>
+      <p:sp>
+        <p:nvSpPr>
+          <p:cNvPr id="95" name="文本框 94"/>
+          <p:cNvSpPr txBox="1"/>
+          <p:nvPr/>
+        </p:nvSpPr>
+        <p:spPr>
+          <a:xfrm>
+            <a:off x="1284499" y="2814668"/>
+            <a:ext cx="1282723" cy="369332"/>
+          </a:xfrm>
+          <a:prstGeom prst="rect">
+            <a:avLst/>
+          </a:prstGeom>
+          <a:noFill/>
+        </p:spPr>
+        <p:txBody>
+          <a:bodyPr wrap="none" rtlCol="0">
+            <a:spAutoFit/>
+          </a:bodyPr>
+          <a:lstStyle/>
+          <a:p>
+            <a:r>
+              <a:rPr lang="en-US" altLang="zh-CN" dirty="0" smtClean="0"/>
+              <a:t>c    b    </a:t>
+            </a:r>
+            <a:r>
+              <a:rPr lang="en-US" altLang="zh-CN" dirty="0" err="1" smtClean="0"/>
+              <a:t>b</a:t>
+            </a:r>
+            <a:r>
+              <a:rPr lang="en-US" altLang="zh-CN" dirty="0" smtClean="0"/>
+              <a:t>    d</a:t>
+            </a:r>
+            <a:endParaRPr lang="zh-CN" altLang="en-US" dirty="0"/>
+          </a:p>
+        </p:txBody>
+      </p:sp>
+      <p:sp>
+        <p:nvSpPr>
+          <p:cNvPr id="96" name="文本框 95"/>
+          <p:cNvSpPr txBox="1"/>
+          <p:nvPr/>
+        </p:nvSpPr>
+        <p:spPr>
+          <a:xfrm>
+            <a:off x="844772" y="3165336"/>
+            <a:ext cx="282450" cy="369332"/>
+          </a:xfrm>
+          <a:prstGeom prst="rect">
+            <a:avLst/>
+          </a:prstGeom>
+          <a:noFill/>
+        </p:spPr>
+        <p:txBody>
+          <a:bodyPr wrap="none" rtlCol="0">
+            <a:spAutoFit/>
+          </a:bodyPr>
+          <a:lstStyle/>
+          <a:p>
+            <a:r>
+              <a:rPr lang="en-US" altLang="zh-CN" dirty="0" smtClean="0"/>
+              <a:t>c</a:t>
+            </a:r>
+            <a:endParaRPr lang="zh-CN" altLang="en-US" dirty="0"/>
+          </a:p>
+        </p:txBody>
+      </p:sp>
+      <p:sp>
+        <p:nvSpPr>
+          <p:cNvPr id="97" name="文本框 96"/>
+          <p:cNvSpPr txBox="1"/>
+          <p:nvPr/>
+        </p:nvSpPr>
+        <p:spPr>
+          <a:xfrm>
+            <a:off x="838200" y="3525490"/>
+            <a:ext cx="306494" cy="369332"/>
+          </a:xfrm>
+          <a:prstGeom prst="rect">
+            <a:avLst/>
+          </a:prstGeom>
+          <a:noFill/>
+        </p:spPr>
+        <p:txBody>
+          <a:bodyPr wrap="none" rtlCol="0">
+            <a:spAutoFit/>
+          </a:bodyPr>
+          <a:lstStyle/>
+          <a:p>
+            <a:r>
+              <a:rPr lang="en-US" altLang="zh-CN" dirty="0" smtClean="0"/>
+              <a:t>b</a:t>
+            </a:r>
+            <a:endParaRPr lang="zh-CN" altLang="en-US" dirty="0"/>
+          </a:p>
+        </p:txBody>
+      </p:sp>
+      <p:sp>
+        <p:nvSpPr>
+          <p:cNvPr id="98" name="文本框 97"/>
+          <p:cNvSpPr txBox="1"/>
+          <p:nvPr/>
+        </p:nvSpPr>
+        <p:spPr>
+          <a:xfrm>
+            <a:off x="838200" y="4240978"/>
+            <a:ext cx="306494" cy="369332"/>
+          </a:xfrm>
+          <a:prstGeom prst="rect">
+            <a:avLst/>
+          </a:prstGeom>
+          <a:noFill/>
+        </p:spPr>
+        <p:txBody>
+          <a:bodyPr wrap="none" rtlCol="0">
+            <a:spAutoFit/>
+          </a:bodyPr>
+          <a:lstStyle/>
+          <a:p>
+            <a:r>
+              <a:rPr lang="en-US" altLang="zh-CN" dirty="0"/>
+              <a:t>d</a:t>
+            </a:r>
+            <a:endParaRPr lang="zh-CN" altLang="en-US" dirty="0"/>
+          </a:p>
+        </p:txBody>
+      </p:sp>
+      <p:sp>
+        <p:nvSpPr>
+          <p:cNvPr id="99" name="文本框 98"/>
+          <p:cNvSpPr txBox="1"/>
+          <p:nvPr/>
+        </p:nvSpPr>
+        <p:spPr>
+          <a:xfrm>
+            <a:off x="838200" y="3894822"/>
+            <a:ext cx="306494" cy="369332"/>
+          </a:xfrm>
+          <a:prstGeom prst="rect">
+            <a:avLst/>
+          </a:prstGeom>
+          <a:noFill/>
+        </p:spPr>
+        <p:txBody>
+          <a:bodyPr wrap="none" rtlCol="0">
+            <a:spAutoFit/>
+          </a:bodyPr>
+          <a:lstStyle/>
+          <a:p>
+            <a:r>
+              <a:rPr lang="en-US" altLang="zh-CN" dirty="0" smtClean="0"/>
+              <a:t>b</a:t>
+            </a:r>
+            <a:endParaRPr lang="zh-CN" altLang="en-US" dirty="0"/>
+          </a:p>
+        </p:txBody>
+      </p:sp>
+      <p:sp>
+        <p:nvSpPr>
+          <p:cNvPr id="101" name="矩形 100"/>
+          <p:cNvSpPr/>
+          <p:nvPr/>
+        </p:nvSpPr>
+        <p:spPr>
+          <a:xfrm>
+            <a:off x="3497488" y="3179334"/>
+            <a:ext cx="360000" cy="360000"/>
+          </a:xfrm>
+          <a:prstGeom prst="rect">
+            <a:avLst/>
+          </a:prstGeom>
+          <a:noFill/>
+        </p:spPr>
+        <p:style>
+          <a:lnRef idx="2">
+            <a:schemeClr val="accent1"/>
+          </a:lnRef>
+          <a:fillRef idx="1">
+            <a:schemeClr val="lt1"/>
+          </a:fillRef>
+          <a:effectRef idx="0">
+            <a:schemeClr val="accent1"/>
+          </a:effectRef>
+          <a:fontRef idx="minor">
+            <a:schemeClr val="dk1"/>
+          </a:fontRef>
+        </p:style>
+        <p:txBody>
+          <a:bodyPr rtlCol="0" anchor="ctr"/>
+          <a:lstStyle/>
+          <a:p>
+            <a:pPr algn="ctr"/>
+            <a:r>
+              <a:rPr lang="en-US" altLang="zh-CN" dirty="0"/>
+              <a:t>0</a:t>
+            </a:r>
+            <a:endParaRPr lang="zh-CN" altLang="en-US" dirty="0"/>
+          </a:p>
+        </p:txBody>
+      </p:sp>
+      <p:sp>
+        <p:nvSpPr>
+          <p:cNvPr id="102" name="矩形 101"/>
+          <p:cNvSpPr/>
+          <p:nvPr/>
+        </p:nvSpPr>
+        <p:spPr>
+          <a:xfrm>
+            <a:off x="3857488" y="3179334"/>
+            <a:ext cx="360000" cy="360000"/>
+          </a:xfrm>
+          <a:prstGeom prst="rect">
+            <a:avLst/>
+          </a:prstGeom>
+          <a:solidFill>
+            <a:srgbClr val="00B0F0"/>
+          </a:solidFill>
+        </p:spPr>
+        <p:style>
+          <a:lnRef idx="2">
+            <a:schemeClr val="accent1"/>
+          </a:lnRef>
+          <a:fillRef idx="1">
+            <a:schemeClr val="lt1"/>
+          </a:fillRef>
+          <a:effectRef idx="0">
+            <a:schemeClr val="accent1"/>
+          </a:effectRef>
+          <a:fontRef idx="minor">
+            <a:schemeClr val="dk1"/>
+          </a:fontRef>
+        </p:style>
+        <p:txBody>
+          <a:bodyPr rtlCol="0" anchor="ctr"/>
+          <a:lstStyle/>
+          <a:p>
+            <a:pPr algn="ctr"/>
+            <a:r>
+              <a:rPr lang="en-US" altLang="zh-CN" dirty="0" smtClean="0"/>
+              <a:t>0</a:t>
+            </a:r>
+            <a:endParaRPr lang="zh-CN" altLang="en-US" dirty="0"/>
+          </a:p>
+        </p:txBody>
+      </p:sp>
+      <p:sp>
+        <p:nvSpPr>
+          <p:cNvPr id="103" name="矩形 102"/>
+          <p:cNvSpPr/>
+          <p:nvPr/>
+        </p:nvSpPr>
+        <p:spPr>
+          <a:xfrm>
+            <a:off x="4217488" y="3179334"/>
+            <a:ext cx="360000" cy="360000"/>
+          </a:xfrm>
+          <a:prstGeom prst="rect">
+            <a:avLst/>
+          </a:prstGeom>
+          <a:noFill/>
+        </p:spPr>
+        <p:style>
+          <a:lnRef idx="2">
+            <a:schemeClr val="accent1"/>
+          </a:lnRef>
+          <a:fillRef idx="1">
+            <a:schemeClr val="lt1"/>
+          </a:fillRef>
+          <a:effectRef idx="0">
+            <a:schemeClr val="accent1"/>
+          </a:effectRef>
+          <a:fontRef idx="minor">
+            <a:schemeClr val="dk1"/>
+          </a:fontRef>
+        </p:style>
+        <p:txBody>
+          <a:bodyPr rtlCol="0" anchor="ctr"/>
+          <a:lstStyle/>
+          <a:p>
+            <a:pPr algn="ctr"/>
+            <a:r>
+              <a:rPr lang="en-US" altLang="zh-CN" dirty="0" smtClean="0"/>
+              <a:t>0</a:t>
+            </a:r>
+            <a:endParaRPr lang="zh-CN" altLang="en-US" dirty="0"/>
+          </a:p>
+        </p:txBody>
+      </p:sp>
+      <p:sp>
+        <p:nvSpPr>
+          <p:cNvPr id="104" name="矩形 103"/>
+          <p:cNvSpPr/>
+          <p:nvPr/>
+        </p:nvSpPr>
+        <p:spPr>
+          <a:xfrm>
+            <a:off x="3137488" y="3179334"/>
+            <a:ext cx="360000" cy="360000"/>
+          </a:xfrm>
+          <a:prstGeom prst="rect">
+            <a:avLst/>
+          </a:prstGeom>
+          <a:noFill/>
+        </p:spPr>
+        <p:style>
+          <a:lnRef idx="2">
+            <a:schemeClr val="accent1"/>
+          </a:lnRef>
+          <a:fillRef idx="1">
+            <a:schemeClr val="lt1"/>
+          </a:fillRef>
+          <a:effectRef idx="0">
+            <a:schemeClr val="accent1"/>
+          </a:effectRef>
+          <a:fontRef idx="minor">
+            <a:schemeClr val="dk1"/>
+          </a:fontRef>
+        </p:style>
+        <p:txBody>
+          <a:bodyPr rtlCol="0" anchor="ctr"/>
+          <a:lstStyle/>
+          <a:p>
+            <a:pPr algn="ctr"/>
+            <a:r>
+              <a:rPr lang="en-US" altLang="zh-CN" dirty="0" smtClean="0"/>
+              <a:t>1</a:t>
+            </a:r>
+            <a:endParaRPr lang="zh-CN" altLang="en-US" dirty="0"/>
+          </a:p>
+        </p:txBody>
+      </p:sp>
+      <p:sp>
+        <p:nvSpPr>
+          <p:cNvPr id="105" name="矩形 104"/>
+          <p:cNvSpPr/>
+          <p:nvPr/>
+        </p:nvSpPr>
+        <p:spPr>
+          <a:xfrm>
+            <a:off x="3497488" y="3539334"/>
+            <a:ext cx="360000" cy="360000"/>
+          </a:xfrm>
+          <a:prstGeom prst="rect">
+            <a:avLst/>
+          </a:prstGeom>
+          <a:noFill/>
+        </p:spPr>
+        <p:style>
+          <a:lnRef idx="2">
+            <a:schemeClr val="accent1"/>
+          </a:lnRef>
+          <a:fillRef idx="1">
+            <a:schemeClr val="lt1"/>
+          </a:fillRef>
+          <a:effectRef idx="0">
+            <a:schemeClr val="accent1"/>
+          </a:effectRef>
+          <a:fontRef idx="minor">
+            <a:schemeClr val="dk1"/>
+          </a:fontRef>
+        </p:style>
+        <p:txBody>
+          <a:bodyPr rtlCol="0" anchor="ctr"/>
+          <a:lstStyle/>
+          <a:p>
+            <a:pPr algn="ctr"/>
+            <a:r>
+              <a:rPr lang="en-US" altLang="zh-CN" dirty="0" smtClean="0"/>
+              <a:t>1</a:t>
+            </a:r>
+            <a:endParaRPr lang="zh-CN" altLang="en-US" dirty="0"/>
+          </a:p>
+        </p:txBody>
+      </p:sp>
+      <p:sp>
+        <p:nvSpPr>
+          <p:cNvPr id="106" name="矩形 105"/>
+          <p:cNvSpPr/>
+          <p:nvPr/>
+        </p:nvSpPr>
+        <p:spPr>
+          <a:xfrm>
+            <a:off x="3857488" y="3539334"/>
+            <a:ext cx="360000" cy="360000"/>
+          </a:xfrm>
+          <a:prstGeom prst="rect">
+            <a:avLst/>
+          </a:prstGeom>
+          <a:noFill/>
+        </p:spPr>
+        <p:style>
+          <a:lnRef idx="2">
+            <a:schemeClr val="accent1"/>
+          </a:lnRef>
+          <a:fillRef idx="1">
+            <a:schemeClr val="lt1"/>
+          </a:fillRef>
+          <a:effectRef idx="0">
+            <a:schemeClr val="accent1"/>
+          </a:effectRef>
+          <a:fontRef idx="minor">
+            <a:schemeClr val="dk1"/>
+          </a:fontRef>
+        </p:style>
+        <p:txBody>
+          <a:bodyPr rtlCol="0" anchor="ctr"/>
+          <a:lstStyle/>
+          <a:p>
+            <a:pPr algn="ctr"/>
+            <a:r>
+              <a:rPr lang="en-US" altLang="zh-CN" dirty="0" smtClean="0"/>
+              <a:t>1</a:t>
+            </a:r>
+            <a:endParaRPr lang="zh-CN" altLang="en-US" dirty="0"/>
+          </a:p>
+        </p:txBody>
+      </p:sp>
+      <p:sp>
+        <p:nvSpPr>
+          <p:cNvPr id="107" name="矩形 106"/>
+          <p:cNvSpPr/>
+          <p:nvPr/>
+        </p:nvSpPr>
+        <p:spPr>
+          <a:xfrm>
+            <a:off x="4217488" y="3539334"/>
+            <a:ext cx="360000" cy="360000"/>
+          </a:xfrm>
+          <a:prstGeom prst="rect">
+            <a:avLst/>
+          </a:prstGeom>
+          <a:noFill/>
+        </p:spPr>
+        <p:style>
+          <a:lnRef idx="2">
+            <a:schemeClr val="accent1"/>
+          </a:lnRef>
+          <a:fillRef idx="1">
+            <a:schemeClr val="lt1"/>
+          </a:fillRef>
+          <a:effectRef idx="0">
+            <a:schemeClr val="accent1"/>
+          </a:effectRef>
+          <a:fontRef idx="minor">
+            <a:schemeClr val="dk1"/>
+          </a:fontRef>
+        </p:style>
+        <p:txBody>
+          <a:bodyPr rtlCol="0" anchor="ctr"/>
+          <a:lstStyle/>
+          <a:p>
+            <a:pPr algn="ctr"/>
+            <a:r>
+              <a:rPr lang="en-US" altLang="zh-CN" dirty="0" smtClean="0"/>
+              <a:t>0</a:t>
+            </a:r>
+            <a:endParaRPr lang="zh-CN" altLang="en-US" dirty="0"/>
+          </a:p>
+        </p:txBody>
+      </p:sp>
+      <p:sp>
+        <p:nvSpPr>
+          <p:cNvPr id="108" name="矩形 107"/>
+          <p:cNvSpPr/>
+          <p:nvPr/>
+        </p:nvSpPr>
+        <p:spPr>
+          <a:xfrm>
+            <a:off x="3137488" y="3539334"/>
+            <a:ext cx="360000" cy="360000"/>
+          </a:xfrm>
+          <a:prstGeom prst="rect">
+            <a:avLst/>
+          </a:prstGeom>
+          <a:noFill/>
+        </p:spPr>
+        <p:style>
+          <a:lnRef idx="2">
+            <a:schemeClr val="accent1"/>
+          </a:lnRef>
+          <a:fillRef idx="1">
+            <a:schemeClr val="lt1"/>
+          </a:fillRef>
+          <a:effectRef idx="0">
+            <a:schemeClr val="accent1"/>
+          </a:effectRef>
+          <a:fontRef idx="minor">
+            <a:schemeClr val="dk1"/>
+          </a:fontRef>
+        </p:style>
+        <p:txBody>
+          <a:bodyPr rtlCol="0" anchor="ctr"/>
+          <a:lstStyle/>
+          <a:p>
+            <a:pPr algn="ctr"/>
+            <a:endParaRPr lang="zh-CN" altLang="en-US" dirty="0"/>
+          </a:p>
+        </p:txBody>
+      </p:sp>
+      <p:sp>
+        <p:nvSpPr>
+          <p:cNvPr id="109" name="矩形 108"/>
+          <p:cNvSpPr/>
+          <p:nvPr/>
+        </p:nvSpPr>
+        <p:spPr>
+          <a:xfrm>
+            <a:off x="3497488" y="3899334"/>
+            <a:ext cx="360000" cy="360000"/>
+          </a:xfrm>
+          <a:prstGeom prst="rect">
+            <a:avLst/>
+          </a:prstGeom>
+          <a:noFill/>
+        </p:spPr>
+        <p:style>
+          <a:lnRef idx="2">
+            <a:schemeClr val="accent1"/>
+          </a:lnRef>
+          <a:fillRef idx="1">
+            <a:schemeClr val="lt1"/>
+          </a:fillRef>
+          <a:effectRef idx="0">
+            <a:schemeClr val="accent1"/>
+          </a:effectRef>
+          <a:fontRef idx="minor">
+            <a:schemeClr val="dk1"/>
+          </a:fontRef>
+        </p:style>
+        <p:txBody>
+          <a:bodyPr rtlCol="0" anchor="ctr"/>
+          <a:lstStyle/>
+          <a:p>
+            <a:pPr algn="ctr"/>
+            <a:endParaRPr lang="zh-CN" altLang="en-US" dirty="0"/>
+          </a:p>
+        </p:txBody>
+      </p:sp>
+      <p:sp>
+        <p:nvSpPr>
+          <p:cNvPr id="110" name="矩形 109"/>
+          <p:cNvSpPr/>
+          <p:nvPr/>
+        </p:nvSpPr>
+        <p:spPr>
+          <a:xfrm>
+            <a:off x="3857488" y="3899334"/>
+            <a:ext cx="360000" cy="360000"/>
+          </a:xfrm>
+          <a:prstGeom prst="rect">
+            <a:avLst/>
+          </a:prstGeom>
+          <a:noFill/>
+        </p:spPr>
+        <p:style>
+          <a:lnRef idx="2">
+            <a:schemeClr val="accent1"/>
+          </a:lnRef>
+          <a:fillRef idx="1">
+            <a:schemeClr val="lt1"/>
+          </a:fillRef>
+          <a:effectRef idx="0">
+            <a:schemeClr val="accent1"/>
+          </a:effectRef>
+          <a:fontRef idx="minor">
+            <a:schemeClr val="dk1"/>
+          </a:fontRef>
+        </p:style>
+        <p:txBody>
+          <a:bodyPr rtlCol="0" anchor="ctr"/>
+          <a:lstStyle/>
+          <a:p>
+            <a:pPr algn="ctr"/>
+            <a:r>
+              <a:rPr lang="en-US" altLang="zh-CN" dirty="0" smtClean="0"/>
+              <a:t>1</a:t>
+            </a:r>
+            <a:endParaRPr lang="zh-CN" altLang="en-US" dirty="0"/>
+          </a:p>
+        </p:txBody>
+      </p:sp>
+      <p:sp>
+        <p:nvSpPr>
+          <p:cNvPr id="111" name="矩形 110"/>
+          <p:cNvSpPr/>
+          <p:nvPr/>
+        </p:nvSpPr>
+        <p:spPr>
+          <a:xfrm>
+            <a:off x="4217488" y="3899334"/>
+            <a:ext cx="360000" cy="360000"/>
+          </a:xfrm>
+          <a:prstGeom prst="rect">
+            <a:avLst/>
+          </a:prstGeom>
+          <a:noFill/>
+        </p:spPr>
+        <p:style>
+          <a:lnRef idx="2">
+            <a:schemeClr val="accent1"/>
+          </a:lnRef>
+          <a:fillRef idx="1">
+            <a:schemeClr val="lt1"/>
+          </a:fillRef>
+          <a:effectRef idx="0">
+            <a:schemeClr val="accent1"/>
+          </a:effectRef>
+          <a:fontRef idx="minor">
+            <a:schemeClr val="dk1"/>
+          </a:fontRef>
+        </p:style>
+        <p:txBody>
+          <a:bodyPr rtlCol="0" anchor="ctr"/>
+          <a:lstStyle/>
+          <a:p>
+            <a:pPr algn="ctr"/>
+            <a:r>
+              <a:rPr lang="en-US" altLang="zh-CN" dirty="0" smtClean="0"/>
+              <a:t>0</a:t>
+            </a:r>
+            <a:endParaRPr lang="zh-CN" altLang="en-US" dirty="0"/>
+          </a:p>
+        </p:txBody>
+      </p:sp>
+      <p:sp>
+        <p:nvSpPr>
+          <p:cNvPr id="112" name="矩形 111"/>
+          <p:cNvSpPr/>
+          <p:nvPr/>
+        </p:nvSpPr>
+        <p:spPr>
+          <a:xfrm>
+            <a:off x="3137488" y="3899334"/>
+            <a:ext cx="360000" cy="360000"/>
+          </a:xfrm>
+          <a:prstGeom prst="rect">
+            <a:avLst/>
+          </a:prstGeom>
+          <a:noFill/>
+        </p:spPr>
+        <p:style>
+          <a:lnRef idx="2">
+            <a:schemeClr val="accent1"/>
+          </a:lnRef>
+          <a:fillRef idx="1">
+            <a:schemeClr val="lt1"/>
+          </a:fillRef>
+          <a:effectRef idx="0">
+            <a:schemeClr val="accent1"/>
+          </a:effectRef>
+          <a:fontRef idx="minor">
+            <a:schemeClr val="dk1"/>
+          </a:fontRef>
+        </p:style>
+        <p:txBody>
+          <a:bodyPr rtlCol="0" anchor="ctr"/>
+          <a:lstStyle/>
+          <a:p>
+            <a:pPr algn="ctr"/>
+            <a:endParaRPr lang="zh-CN" altLang="en-US" dirty="0"/>
+          </a:p>
+        </p:txBody>
+      </p:sp>
+      <p:sp>
+        <p:nvSpPr>
+          <p:cNvPr id="113" name="矩形 112"/>
+          <p:cNvSpPr/>
+          <p:nvPr/>
+        </p:nvSpPr>
+        <p:spPr>
+          <a:xfrm>
+            <a:off x="3497488" y="4259334"/>
+            <a:ext cx="360000" cy="360000"/>
+          </a:xfrm>
+          <a:prstGeom prst="rect">
+            <a:avLst/>
+          </a:prstGeom>
+          <a:noFill/>
+        </p:spPr>
+        <p:style>
+          <a:lnRef idx="2">
+            <a:schemeClr val="accent1"/>
+          </a:lnRef>
+          <a:fillRef idx="1">
+            <a:schemeClr val="lt1"/>
+          </a:fillRef>
+          <a:effectRef idx="0">
+            <a:schemeClr val="accent1"/>
+          </a:effectRef>
+          <a:fontRef idx="minor">
+            <a:schemeClr val="dk1"/>
+          </a:fontRef>
+        </p:style>
+        <p:txBody>
+          <a:bodyPr rtlCol="0" anchor="ctr"/>
+          <a:lstStyle/>
+          <a:p>
+            <a:pPr algn="ctr"/>
+            <a:endParaRPr lang="zh-CN" altLang="en-US" dirty="0"/>
+          </a:p>
+        </p:txBody>
+      </p:sp>
+      <p:sp>
+        <p:nvSpPr>
+          <p:cNvPr id="114" name="矩形 113"/>
+          <p:cNvSpPr/>
+          <p:nvPr/>
+        </p:nvSpPr>
+        <p:spPr>
+          <a:xfrm>
+            <a:off x="3857488" y="4259334"/>
+            <a:ext cx="360000" cy="360000"/>
+          </a:xfrm>
+          <a:prstGeom prst="rect">
+            <a:avLst/>
+          </a:prstGeom>
+          <a:noFill/>
+        </p:spPr>
+        <p:style>
+          <a:lnRef idx="2">
+            <a:schemeClr val="accent1"/>
+          </a:lnRef>
+          <a:fillRef idx="1">
+            <a:schemeClr val="lt1"/>
+          </a:fillRef>
+          <a:effectRef idx="0">
+            <a:schemeClr val="accent1"/>
+          </a:effectRef>
+          <a:fontRef idx="minor">
+            <a:schemeClr val="dk1"/>
+          </a:fontRef>
+        </p:style>
+        <p:txBody>
+          <a:bodyPr rtlCol="0" anchor="ctr"/>
+          <a:lstStyle/>
+          <a:p>
+            <a:pPr algn="ctr"/>
+            <a:endParaRPr lang="zh-CN" altLang="en-US" dirty="0"/>
+          </a:p>
+        </p:txBody>
+      </p:sp>
+      <p:sp>
+        <p:nvSpPr>
+          <p:cNvPr id="115" name="矩形 114"/>
+          <p:cNvSpPr/>
+          <p:nvPr/>
+        </p:nvSpPr>
+        <p:spPr>
+          <a:xfrm>
+            <a:off x="4217488" y="4259334"/>
+            <a:ext cx="360000" cy="360000"/>
+          </a:xfrm>
+          <a:prstGeom prst="rect">
+            <a:avLst/>
+          </a:prstGeom>
+          <a:noFill/>
+        </p:spPr>
+        <p:style>
+          <a:lnRef idx="2">
+            <a:schemeClr val="accent1"/>
+          </a:lnRef>
+          <a:fillRef idx="1">
+            <a:schemeClr val="lt1"/>
+          </a:fillRef>
+          <a:effectRef idx="0">
+            <a:schemeClr val="accent1"/>
+          </a:effectRef>
+          <a:fontRef idx="minor">
+            <a:schemeClr val="dk1"/>
+          </a:fontRef>
+        </p:style>
+        <p:txBody>
+          <a:bodyPr rtlCol="0" anchor="ctr"/>
+          <a:lstStyle/>
+          <a:p>
+            <a:pPr algn="ctr"/>
+            <a:r>
+              <a:rPr lang="en-US" altLang="zh-CN" dirty="0" smtClean="0"/>
+              <a:t>1</a:t>
+            </a:r>
+            <a:endParaRPr lang="zh-CN" altLang="en-US" dirty="0"/>
+          </a:p>
+        </p:txBody>
+      </p:sp>
+      <p:sp>
+        <p:nvSpPr>
+          <p:cNvPr id="116" name="矩形 115"/>
+          <p:cNvSpPr/>
+          <p:nvPr/>
+        </p:nvSpPr>
+        <p:spPr>
+          <a:xfrm>
+            <a:off x="3137488" y="4259334"/>
+            <a:ext cx="360000" cy="360000"/>
+          </a:xfrm>
+          <a:prstGeom prst="rect">
+            <a:avLst/>
+          </a:prstGeom>
+          <a:noFill/>
+        </p:spPr>
+        <p:style>
+          <a:lnRef idx="2">
+            <a:schemeClr val="accent1"/>
+          </a:lnRef>
+          <a:fillRef idx="1">
+            <a:schemeClr val="lt1"/>
+          </a:fillRef>
+          <a:effectRef idx="0">
+            <a:schemeClr val="accent1"/>
+          </a:effectRef>
+          <a:fontRef idx="minor">
+            <a:schemeClr val="dk1"/>
+          </a:fontRef>
+        </p:style>
+        <p:txBody>
+          <a:bodyPr rtlCol="0" anchor="ctr"/>
+          <a:lstStyle/>
+          <a:p>
+            <a:pPr algn="ctr"/>
+            <a:endParaRPr lang="zh-CN" altLang="en-US" dirty="0"/>
+          </a:p>
+        </p:txBody>
+      </p:sp>
+      <p:sp>
+        <p:nvSpPr>
+          <p:cNvPr id="117" name="文本框 116"/>
+          <p:cNvSpPr txBox="1"/>
+          <p:nvPr/>
+        </p:nvSpPr>
+        <p:spPr>
+          <a:xfrm>
+            <a:off x="3216126" y="2814668"/>
+            <a:ext cx="1282723" cy="369332"/>
+          </a:xfrm>
+          <a:prstGeom prst="rect">
+            <a:avLst/>
+          </a:prstGeom>
+          <a:noFill/>
+        </p:spPr>
+        <p:txBody>
+          <a:bodyPr wrap="none" rtlCol="0">
+            <a:spAutoFit/>
+          </a:bodyPr>
+          <a:lstStyle/>
+          <a:p>
+            <a:r>
+              <a:rPr lang="en-US" altLang="zh-CN" dirty="0" smtClean="0"/>
+              <a:t>c    b    </a:t>
+            </a:r>
+            <a:r>
+              <a:rPr lang="en-US" altLang="zh-CN" dirty="0" err="1" smtClean="0"/>
+              <a:t>b</a:t>
+            </a:r>
+            <a:r>
+              <a:rPr lang="en-US" altLang="zh-CN" dirty="0" smtClean="0"/>
+              <a:t>    d</a:t>
+            </a:r>
+            <a:endParaRPr lang="zh-CN" altLang="en-US" dirty="0"/>
+          </a:p>
+        </p:txBody>
+      </p:sp>
+      <p:sp>
+        <p:nvSpPr>
+          <p:cNvPr id="118" name="文本框 117"/>
+          <p:cNvSpPr txBox="1"/>
+          <p:nvPr/>
+        </p:nvSpPr>
+        <p:spPr>
+          <a:xfrm>
+            <a:off x="2776399" y="3165336"/>
+            <a:ext cx="282450" cy="369332"/>
+          </a:xfrm>
+          <a:prstGeom prst="rect">
+            <a:avLst/>
+          </a:prstGeom>
+          <a:noFill/>
+        </p:spPr>
+        <p:txBody>
+          <a:bodyPr wrap="none" rtlCol="0">
+            <a:spAutoFit/>
+          </a:bodyPr>
+          <a:lstStyle/>
+          <a:p>
+            <a:r>
+              <a:rPr lang="en-US" altLang="zh-CN" dirty="0" smtClean="0"/>
+              <a:t>c</a:t>
+            </a:r>
+            <a:endParaRPr lang="zh-CN" altLang="en-US" dirty="0"/>
+          </a:p>
+        </p:txBody>
+      </p:sp>
+      <p:sp>
+        <p:nvSpPr>
+          <p:cNvPr id="119" name="文本框 118"/>
+          <p:cNvSpPr txBox="1"/>
+          <p:nvPr/>
+        </p:nvSpPr>
+        <p:spPr>
+          <a:xfrm>
+            <a:off x="2769827" y="3525490"/>
+            <a:ext cx="306494" cy="369332"/>
+          </a:xfrm>
+          <a:prstGeom prst="rect">
+            <a:avLst/>
+          </a:prstGeom>
+          <a:noFill/>
+        </p:spPr>
+        <p:txBody>
+          <a:bodyPr wrap="none" rtlCol="0">
+            <a:spAutoFit/>
+          </a:bodyPr>
+          <a:lstStyle/>
+          <a:p>
+            <a:r>
+              <a:rPr lang="en-US" altLang="zh-CN" dirty="0" smtClean="0"/>
+              <a:t>b</a:t>
+            </a:r>
+            <a:endParaRPr lang="zh-CN" altLang="en-US" dirty="0"/>
+          </a:p>
+        </p:txBody>
+      </p:sp>
+      <p:sp>
+        <p:nvSpPr>
+          <p:cNvPr id="120" name="文本框 119"/>
+          <p:cNvSpPr txBox="1"/>
+          <p:nvPr/>
+        </p:nvSpPr>
+        <p:spPr>
+          <a:xfrm>
+            <a:off x="2769827" y="4240978"/>
+            <a:ext cx="306494" cy="369332"/>
+          </a:xfrm>
+          <a:prstGeom prst="rect">
+            <a:avLst/>
+          </a:prstGeom>
+          <a:noFill/>
+        </p:spPr>
+        <p:txBody>
+          <a:bodyPr wrap="none" rtlCol="0">
+            <a:spAutoFit/>
+          </a:bodyPr>
+          <a:lstStyle/>
+          <a:p>
+            <a:r>
+              <a:rPr lang="en-US" altLang="zh-CN" dirty="0"/>
+              <a:t>d</a:t>
+            </a:r>
+            <a:endParaRPr lang="zh-CN" altLang="en-US" dirty="0"/>
+          </a:p>
+        </p:txBody>
+      </p:sp>
+      <p:sp>
+        <p:nvSpPr>
+          <p:cNvPr id="121" name="文本框 120"/>
+          <p:cNvSpPr txBox="1"/>
+          <p:nvPr/>
+        </p:nvSpPr>
+        <p:spPr>
+          <a:xfrm>
+            <a:off x="2769827" y="3894822"/>
+            <a:ext cx="306494" cy="369332"/>
+          </a:xfrm>
+          <a:prstGeom prst="rect">
+            <a:avLst/>
+          </a:prstGeom>
+          <a:noFill/>
+        </p:spPr>
+        <p:txBody>
+          <a:bodyPr wrap="none" rtlCol="0">
+            <a:spAutoFit/>
+          </a:bodyPr>
+          <a:lstStyle/>
+          <a:p>
+            <a:r>
+              <a:rPr lang="en-US" altLang="zh-CN" dirty="0" smtClean="0"/>
+              <a:t>b</a:t>
+            </a:r>
+            <a:endParaRPr lang="zh-CN" altLang="en-US" dirty="0"/>
+          </a:p>
+        </p:txBody>
+      </p:sp>
+      <p:sp>
+        <p:nvSpPr>
+          <p:cNvPr id="122" name="矩形 121"/>
+          <p:cNvSpPr/>
+          <p:nvPr/>
+        </p:nvSpPr>
+        <p:spPr>
+          <a:xfrm>
+            <a:off x="5472567" y="3183258"/>
+            <a:ext cx="360000" cy="360000"/>
+          </a:xfrm>
+          <a:prstGeom prst="rect">
+            <a:avLst/>
+          </a:prstGeom>
+          <a:noFill/>
+        </p:spPr>
+        <p:style>
+          <a:lnRef idx="2">
+            <a:schemeClr val="accent1"/>
+          </a:lnRef>
+          <a:fillRef idx="1">
+            <a:schemeClr val="lt1"/>
+          </a:fillRef>
+          <a:effectRef idx="0">
+            <a:schemeClr val="accent1"/>
+          </a:effectRef>
+          <a:fontRef idx="minor">
+            <a:schemeClr val="dk1"/>
+          </a:fontRef>
+        </p:style>
+        <p:txBody>
+          <a:bodyPr rtlCol="0" anchor="ctr"/>
+          <a:lstStyle/>
+          <a:p>
+            <a:pPr algn="ctr"/>
+            <a:r>
+              <a:rPr lang="en-US" altLang="zh-CN" dirty="0"/>
+              <a:t>0</a:t>
+            </a:r>
+            <a:endParaRPr lang="zh-CN" altLang="en-US" dirty="0"/>
+          </a:p>
+        </p:txBody>
+      </p:sp>
+      <p:sp>
+        <p:nvSpPr>
+          <p:cNvPr id="123" name="矩形 122"/>
+          <p:cNvSpPr/>
+          <p:nvPr/>
+        </p:nvSpPr>
+        <p:spPr>
+          <a:xfrm>
+            <a:off x="5832567" y="3183258"/>
+            <a:ext cx="360000" cy="360000"/>
+          </a:xfrm>
+          <a:prstGeom prst="rect">
+            <a:avLst/>
+          </a:prstGeom>
+          <a:noFill/>
+        </p:spPr>
+        <p:style>
+          <a:lnRef idx="2">
+            <a:schemeClr val="accent1"/>
+          </a:lnRef>
+          <a:fillRef idx="1">
+            <a:schemeClr val="lt1"/>
+          </a:fillRef>
+          <a:effectRef idx="0">
+            <a:schemeClr val="accent1"/>
+          </a:effectRef>
+          <a:fontRef idx="minor">
+            <a:schemeClr val="dk1"/>
+          </a:fontRef>
+        </p:style>
+        <p:txBody>
+          <a:bodyPr rtlCol="0" anchor="ctr"/>
+          <a:lstStyle/>
+          <a:p>
+            <a:pPr algn="ctr"/>
+            <a:r>
+              <a:rPr lang="en-US" altLang="zh-CN" dirty="0" smtClean="0"/>
+              <a:t>0</a:t>
+            </a:r>
+            <a:endParaRPr lang="zh-CN" altLang="en-US" dirty="0"/>
+          </a:p>
+        </p:txBody>
+      </p:sp>
+      <p:sp>
+        <p:nvSpPr>
+          <p:cNvPr id="124" name="矩形 123"/>
+          <p:cNvSpPr/>
+          <p:nvPr/>
+        </p:nvSpPr>
+        <p:spPr>
+          <a:xfrm>
+            <a:off x="6192567" y="3183258"/>
+            <a:ext cx="360000" cy="360000"/>
+          </a:xfrm>
+          <a:prstGeom prst="rect">
+            <a:avLst/>
+          </a:prstGeom>
+          <a:noFill/>
+        </p:spPr>
+        <p:style>
+          <a:lnRef idx="2">
+            <a:schemeClr val="accent1"/>
+          </a:lnRef>
+          <a:fillRef idx="1">
+            <a:schemeClr val="lt1"/>
+          </a:fillRef>
+          <a:effectRef idx="0">
+            <a:schemeClr val="accent1"/>
+          </a:effectRef>
+          <a:fontRef idx="minor">
+            <a:schemeClr val="dk1"/>
+          </a:fontRef>
+        </p:style>
+        <p:txBody>
+          <a:bodyPr rtlCol="0" anchor="ctr"/>
+          <a:lstStyle/>
+          <a:p>
+            <a:pPr algn="ctr"/>
+            <a:r>
+              <a:rPr lang="en-US" altLang="zh-CN" dirty="0" smtClean="0"/>
+              <a:t>0</a:t>
+            </a:r>
+            <a:endParaRPr lang="zh-CN" altLang="en-US" dirty="0"/>
+          </a:p>
+        </p:txBody>
+      </p:sp>
+      <p:sp>
+        <p:nvSpPr>
+          <p:cNvPr id="125" name="矩形 124"/>
+          <p:cNvSpPr/>
+          <p:nvPr/>
+        </p:nvSpPr>
+        <p:spPr>
+          <a:xfrm>
+            <a:off x="5112567" y="3183258"/>
+            <a:ext cx="360000" cy="360000"/>
+          </a:xfrm>
+          <a:prstGeom prst="rect">
+            <a:avLst/>
+          </a:prstGeom>
+          <a:noFill/>
+        </p:spPr>
+        <p:style>
+          <a:lnRef idx="2">
+            <a:schemeClr val="accent1"/>
+          </a:lnRef>
+          <a:fillRef idx="1">
+            <a:schemeClr val="lt1"/>
+          </a:fillRef>
+          <a:effectRef idx="0">
+            <a:schemeClr val="accent1"/>
+          </a:effectRef>
+          <a:fontRef idx="minor">
+            <a:schemeClr val="dk1"/>
+          </a:fontRef>
+        </p:style>
+        <p:txBody>
+          <a:bodyPr rtlCol="0" anchor="ctr"/>
+          <a:lstStyle/>
+          <a:p>
+            <a:pPr algn="ctr"/>
+            <a:r>
+              <a:rPr lang="en-US" altLang="zh-CN" dirty="0" smtClean="0"/>
+              <a:t>1</a:t>
+            </a:r>
+            <a:endParaRPr lang="zh-CN" altLang="en-US" dirty="0"/>
+          </a:p>
+        </p:txBody>
+      </p:sp>
+      <p:sp>
+        <p:nvSpPr>
+          <p:cNvPr id="126" name="矩形 125"/>
+          <p:cNvSpPr/>
+          <p:nvPr/>
+        </p:nvSpPr>
+        <p:spPr>
+          <a:xfrm>
+            <a:off x="5472567" y="3543258"/>
+            <a:ext cx="360000" cy="360000"/>
+          </a:xfrm>
+          <a:prstGeom prst="rect">
+            <a:avLst/>
+          </a:prstGeom>
+          <a:noFill/>
+        </p:spPr>
+        <p:style>
+          <a:lnRef idx="2">
+            <a:schemeClr val="accent1"/>
+          </a:lnRef>
+          <a:fillRef idx="1">
+            <a:schemeClr val="lt1"/>
+          </a:fillRef>
+          <a:effectRef idx="0">
+            <a:schemeClr val="accent1"/>
+          </a:effectRef>
+          <a:fontRef idx="minor">
+            <a:schemeClr val="dk1"/>
+          </a:fontRef>
+        </p:style>
+        <p:txBody>
+          <a:bodyPr rtlCol="0" anchor="ctr"/>
+          <a:lstStyle/>
+          <a:p>
+            <a:pPr algn="ctr"/>
+            <a:r>
+              <a:rPr lang="en-US" altLang="zh-CN" dirty="0" smtClean="0"/>
+              <a:t>1</a:t>
+            </a:r>
+            <a:endParaRPr lang="zh-CN" altLang="en-US" dirty="0"/>
+          </a:p>
+        </p:txBody>
+      </p:sp>
+      <p:sp>
+        <p:nvSpPr>
+          <p:cNvPr id="127" name="矩形 126"/>
+          <p:cNvSpPr/>
+          <p:nvPr/>
+        </p:nvSpPr>
+        <p:spPr>
+          <a:xfrm>
+            <a:off x="5832567" y="3543258"/>
+            <a:ext cx="360000" cy="360000"/>
+          </a:xfrm>
+          <a:prstGeom prst="rect">
+            <a:avLst/>
+          </a:prstGeom>
+          <a:noFill/>
+        </p:spPr>
+        <p:style>
+          <a:lnRef idx="2">
+            <a:schemeClr val="accent1"/>
+          </a:lnRef>
+          <a:fillRef idx="1">
+            <a:schemeClr val="lt1"/>
+          </a:fillRef>
+          <a:effectRef idx="0">
+            <a:schemeClr val="accent1"/>
+          </a:effectRef>
+          <a:fontRef idx="minor">
+            <a:schemeClr val="dk1"/>
+          </a:fontRef>
+        </p:style>
+        <p:txBody>
+          <a:bodyPr rtlCol="0" anchor="ctr"/>
+          <a:lstStyle/>
+          <a:p>
+            <a:pPr algn="ctr"/>
+            <a:r>
+              <a:rPr lang="en-US" altLang="zh-CN" dirty="0" smtClean="0"/>
+              <a:t>1</a:t>
+            </a:r>
+            <a:endParaRPr lang="zh-CN" altLang="en-US" dirty="0"/>
+          </a:p>
+        </p:txBody>
+      </p:sp>
+      <p:sp>
+        <p:nvSpPr>
+          <p:cNvPr id="128" name="矩形 127"/>
+          <p:cNvSpPr/>
+          <p:nvPr/>
+        </p:nvSpPr>
+        <p:spPr>
+          <a:xfrm>
+            <a:off x="6192567" y="3543258"/>
+            <a:ext cx="360000" cy="360000"/>
+          </a:xfrm>
+          <a:prstGeom prst="rect">
+            <a:avLst/>
+          </a:prstGeom>
+          <a:solidFill>
+            <a:srgbClr val="00B0F0"/>
+          </a:solidFill>
+        </p:spPr>
+        <p:style>
+          <a:lnRef idx="2">
+            <a:schemeClr val="accent1"/>
+          </a:lnRef>
+          <a:fillRef idx="1">
+            <a:schemeClr val="lt1"/>
+          </a:fillRef>
+          <a:effectRef idx="0">
+            <a:schemeClr val="accent1"/>
+          </a:effectRef>
+          <a:fontRef idx="minor">
+            <a:schemeClr val="dk1"/>
+          </a:fontRef>
+        </p:style>
+        <p:txBody>
+          <a:bodyPr rtlCol="0" anchor="ctr"/>
+          <a:lstStyle/>
+          <a:p>
+            <a:pPr algn="ctr"/>
+            <a:r>
+              <a:rPr lang="en-US" altLang="zh-CN" dirty="0" smtClean="0"/>
+              <a:t>0</a:t>
+            </a:r>
+            <a:endParaRPr lang="zh-CN" altLang="en-US" dirty="0"/>
+          </a:p>
+        </p:txBody>
+      </p:sp>
+      <p:sp>
+        <p:nvSpPr>
+          <p:cNvPr id="129" name="矩形 128"/>
+          <p:cNvSpPr/>
+          <p:nvPr/>
+        </p:nvSpPr>
+        <p:spPr>
+          <a:xfrm>
+            <a:off x="5112567" y="3543258"/>
+            <a:ext cx="360000" cy="360000"/>
+          </a:xfrm>
+          <a:prstGeom prst="rect">
+            <a:avLst/>
+          </a:prstGeom>
+          <a:noFill/>
+        </p:spPr>
+        <p:style>
+          <a:lnRef idx="2">
+            <a:schemeClr val="accent1"/>
+          </a:lnRef>
+          <a:fillRef idx="1">
+            <a:schemeClr val="lt1"/>
+          </a:fillRef>
+          <a:effectRef idx="0">
+            <a:schemeClr val="accent1"/>
+          </a:effectRef>
+          <a:fontRef idx="minor">
+            <a:schemeClr val="dk1"/>
+          </a:fontRef>
+        </p:style>
+        <p:txBody>
+          <a:bodyPr rtlCol="0" anchor="ctr"/>
+          <a:lstStyle/>
+          <a:p>
+            <a:pPr algn="ctr"/>
+            <a:endParaRPr lang="zh-CN" altLang="en-US" dirty="0"/>
+          </a:p>
+        </p:txBody>
+      </p:sp>
+      <p:sp>
+        <p:nvSpPr>
+          <p:cNvPr id="130" name="矩形 129"/>
+          <p:cNvSpPr/>
+          <p:nvPr/>
+        </p:nvSpPr>
+        <p:spPr>
+          <a:xfrm>
+            <a:off x="5472567" y="3903258"/>
+            <a:ext cx="360000" cy="360000"/>
+          </a:xfrm>
+          <a:prstGeom prst="rect">
+            <a:avLst/>
+          </a:prstGeom>
+          <a:noFill/>
+        </p:spPr>
+        <p:style>
+          <a:lnRef idx="2">
+            <a:schemeClr val="accent1"/>
+          </a:lnRef>
+          <a:fillRef idx="1">
+            <a:schemeClr val="lt1"/>
+          </a:fillRef>
+          <a:effectRef idx="0">
+            <a:schemeClr val="accent1"/>
+          </a:effectRef>
+          <a:fontRef idx="minor">
+            <a:schemeClr val="dk1"/>
+          </a:fontRef>
+        </p:style>
+        <p:txBody>
+          <a:bodyPr rtlCol="0" anchor="ctr"/>
+          <a:lstStyle/>
+          <a:p>
+            <a:pPr algn="ctr"/>
+            <a:endParaRPr lang="zh-CN" altLang="en-US" dirty="0"/>
+          </a:p>
+        </p:txBody>
+      </p:sp>
+      <p:sp>
+        <p:nvSpPr>
+          <p:cNvPr id="131" name="矩形 130"/>
+          <p:cNvSpPr/>
+          <p:nvPr/>
+        </p:nvSpPr>
+        <p:spPr>
+          <a:xfrm>
+            <a:off x="5832567" y="3903258"/>
+            <a:ext cx="360000" cy="360000"/>
+          </a:xfrm>
+          <a:prstGeom prst="rect">
+            <a:avLst/>
+          </a:prstGeom>
+          <a:noFill/>
+        </p:spPr>
+        <p:style>
+          <a:lnRef idx="2">
+            <a:schemeClr val="accent1"/>
+          </a:lnRef>
+          <a:fillRef idx="1">
+            <a:schemeClr val="lt1"/>
+          </a:fillRef>
+          <a:effectRef idx="0">
+            <a:schemeClr val="accent1"/>
+          </a:effectRef>
+          <a:fontRef idx="minor">
+            <a:schemeClr val="dk1"/>
+          </a:fontRef>
+        </p:style>
+        <p:txBody>
+          <a:bodyPr rtlCol="0" anchor="ctr"/>
+          <a:lstStyle/>
+          <a:p>
+            <a:pPr algn="ctr"/>
+            <a:r>
+              <a:rPr lang="en-US" altLang="zh-CN" dirty="0" smtClean="0"/>
+              <a:t>1</a:t>
+            </a:r>
+            <a:endParaRPr lang="zh-CN" altLang="en-US" dirty="0"/>
+          </a:p>
+        </p:txBody>
+      </p:sp>
+      <p:sp>
+        <p:nvSpPr>
+          <p:cNvPr id="132" name="矩形 131"/>
+          <p:cNvSpPr/>
+          <p:nvPr/>
+        </p:nvSpPr>
+        <p:spPr>
+          <a:xfrm>
+            <a:off x="6192567" y="3903258"/>
+            <a:ext cx="360000" cy="360000"/>
+          </a:xfrm>
+          <a:prstGeom prst="rect">
+            <a:avLst/>
+          </a:prstGeom>
+          <a:noFill/>
+        </p:spPr>
+        <p:style>
+          <a:lnRef idx="2">
+            <a:schemeClr val="accent1"/>
+          </a:lnRef>
+          <a:fillRef idx="1">
+            <a:schemeClr val="lt1"/>
+          </a:fillRef>
+          <a:effectRef idx="0">
+            <a:schemeClr val="accent1"/>
+          </a:effectRef>
+          <a:fontRef idx="minor">
+            <a:schemeClr val="dk1"/>
+          </a:fontRef>
+        </p:style>
+        <p:txBody>
+          <a:bodyPr rtlCol="0" anchor="ctr"/>
+          <a:lstStyle/>
+          <a:p>
+            <a:pPr algn="ctr"/>
+            <a:r>
+              <a:rPr lang="en-US" altLang="zh-CN" dirty="0" smtClean="0"/>
+              <a:t>0</a:t>
+            </a:r>
+            <a:endParaRPr lang="zh-CN" altLang="en-US" dirty="0"/>
+          </a:p>
+        </p:txBody>
+      </p:sp>
+      <p:sp>
+        <p:nvSpPr>
+          <p:cNvPr id="133" name="矩形 132"/>
+          <p:cNvSpPr/>
+          <p:nvPr/>
+        </p:nvSpPr>
+        <p:spPr>
+          <a:xfrm>
+            <a:off x="5112567" y="3903258"/>
+            <a:ext cx="360000" cy="360000"/>
+          </a:xfrm>
+          <a:prstGeom prst="rect">
+            <a:avLst/>
+          </a:prstGeom>
+          <a:noFill/>
+        </p:spPr>
+        <p:style>
+          <a:lnRef idx="2">
+            <a:schemeClr val="accent1"/>
+          </a:lnRef>
+          <a:fillRef idx="1">
+            <a:schemeClr val="lt1"/>
+          </a:fillRef>
+          <a:effectRef idx="0">
+            <a:schemeClr val="accent1"/>
+          </a:effectRef>
+          <a:fontRef idx="minor">
+            <a:schemeClr val="dk1"/>
+          </a:fontRef>
+        </p:style>
+        <p:txBody>
+          <a:bodyPr rtlCol="0" anchor="ctr"/>
+          <a:lstStyle/>
+          <a:p>
+            <a:pPr algn="ctr"/>
+            <a:endParaRPr lang="zh-CN" altLang="en-US" dirty="0"/>
+          </a:p>
+        </p:txBody>
+      </p:sp>
+      <p:sp>
+        <p:nvSpPr>
+          <p:cNvPr id="134" name="矩形 133"/>
+          <p:cNvSpPr/>
+          <p:nvPr/>
+        </p:nvSpPr>
+        <p:spPr>
+          <a:xfrm>
+            <a:off x="5472567" y="4263258"/>
+            <a:ext cx="360000" cy="360000"/>
+          </a:xfrm>
+          <a:prstGeom prst="rect">
+            <a:avLst/>
+          </a:prstGeom>
+          <a:noFill/>
+        </p:spPr>
+        <p:style>
+          <a:lnRef idx="2">
+            <a:schemeClr val="accent1"/>
+          </a:lnRef>
+          <a:fillRef idx="1">
+            <a:schemeClr val="lt1"/>
+          </a:fillRef>
+          <a:effectRef idx="0">
+            <a:schemeClr val="accent1"/>
+          </a:effectRef>
+          <a:fontRef idx="minor">
+            <a:schemeClr val="dk1"/>
+          </a:fontRef>
+        </p:style>
+        <p:txBody>
+          <a:bodyPr rtlCol="0" anchor="ctr"/>
+          <a:lstStyle/>
+          <a:p>
+            <a:pPr algn="ctr"/>
+            <a:endParaRPr lang="zh-CN" altLang="en-US" dirty="0"/>
+          </a:p>
+        </p:txBody>
+      </p:sp>
+      <p:sp>
+        <p:nvSpPr>
+          <p:cNvPr id="135" name="矩形 134"/>
+          <p:cNvSpPr/>
+          <p:nvPr/>
+        </p:nvSpPr>
+        <p:spPr>
+          <a:xfrm>
+            <a:off x="5832567" y="4263258"/>
+            <a:ext cx="360000" cy="360000"/>
+          </a:xfrm>
+          <a:prstGeom prst="rect">
+            <a:avLst/>
+          </a:prstGeom>
+          <a:noFill/>
+        </p:spPr>
+        <p:style>
+          <a:lnRef idx="2">
+            <a:schemeClr val="accent1"/>
+          </a:lnRef>
+          <a:fillRef idx="1">
+            <a:schemeClr val="lt1"/>
+          </a:fillRef>
+          <a:effectRef idx="0">
+            <a:schemeClr val="accent1"/>
+          </a:effectRef>
+          <a:fontRef idx="minor">
+            <a:schemeClr val="dk1"/>
+          </a:fontRef>
+        </p:style>
+        <p:txBody>
+          <a:bodyPr rtlCol="0" anchor="ctr"/>
+          <a:lstStyle/>
+          <a:p>
+            <a:pPr algn="ctr"/>
+            <a:endParaRPr lang="zh-CN" altLang="en-US" dirty="0"/>
+          </a:p>
+        </p:txBody>
+      </p:sp>
+      <p:sp>
+        <p:nvSpPr>
+          <p:cNvPr id="136" name="矩形 135"/>
+          <p:cNvSpPr/>
+          <p:nvPr/>
+        </p:nvSpPr>
+        <p:spPr>
+          <a:xfrm>
+            <a:off x="6192567" y="4263258"/>
+            <a:ext cx="360000" cy="360000"/>
+          </a:xfrm>
+          <a:prstGeom prst="rect">
+            <a:avLst/>
+          </a:prstGeom>
+          <a:noFill/>
+        </p:spPr>
+        <p:style>
+          <a:lnRef idx="2">
+            <a:schemeClr val="accent1"/>
+          </a:lnRef>
+          <a:fillRef idx="1">
+            <a:schemeClr val="lt1"/>
+          </a:fillRef>
+          <a:effectRef idx="0">
+            <a:schemeClr val="accent1"/>
+          </a:effectRef>
+          <a:fontRef idx="minor">
+            <a:schemeClr val="dk1"/>
+          </a:fontRef>
+        </p:style>
+        <p:txBody>
+          <a:bodyPr rtlCol="0" anchor="ctr"/>
+          <a:lstStyle/>
+          <a:p>
+            <a:pPr algn="ctr"/>
+            <a:r>
+              <a:rPr lang="en-US" altLang="zh-CN" dirty="0" smtClean="0"/>
+              <a:t>1</a:t>
+            </a:r>
+            <a:endParaRPr lang="zh-CN" altLang="en-US" dirty="0"/>
+          </a:p>
+        </p:txBody>
+      </p:sp>
+      <p:sp>
+        <p:nvSpPr>
+          <p:cNvPr id="137" name="矩形 136"/>
+          <p:cNvSpPr/>
+          <p:nvPr/>
+        </p:nvSpPr>
+        <p:spPr>
+          <a:xfrm>
+            <a:off x="5112567" y="4263258"/>
+            <a:ext cx="360000" cy="360000"/>
+          </a:xfrm>
+          <a:prstGeom prst="rect">
+            <a:avLst/>
+          </a:prstGeom>
+          <a:noFill/>
+        </p:spPr>
+        <p:style>
+          <a:lnRef idx="2">
+            <a:schemeClr val="accent1"/>
+          </a:lnRef>
+          <a:fillRef idx="1">
+            <a:schemeClr val="lt1"/>
+          </a:fillRef>
+          <a:effectRef idx="0">
+            <a:schemeClr val="accent1"/>
+          </a:effectRef>
+          <a:fontRef idx="minor">
+            <a:schemeClr val="dk1"/>
+          </a:fontRef>
+        </p:style>
+        <p:txBody>
+          <a:bodyPr rtlCol="0" anchor="ctr"/>
+          <a:lstStyle/>
+          <a:p>
+            <a:pPr algn="ctr"/>
+            <a:endParaRPr lang="zh-CN" altLang="en-US" dirty="0"/>
+          </a:p>
+        </p:txBody>
+      </p:sp>
+      <p:sp>
+        <p:nvSpPr>
+          <p:cNvPr id="138" name="文本框 137"/>
+          <p:cNvSpPr txBox="1"/>
+          <p:nvPr/>
+        </p:nvSpPr>
+        <p:spPr>
+          <a:xfrm>
+            <a:off x="5191205" y="2818592"/>
+            <a:ext cx="1282723" cy="369332"/>
+          </a:xfrm>
+          <a:prstGeom prst="rect">
+            <a:avLst/>
+          </a:prstGeom>
+          <a:noFill/>
+        </p:spPr>
+        <p:txBody>
+          <a:bodyPr wrap="none" rtlCol="0">
+            <a:spAutoFit/>
+          </a:bodyPr>
+          <a:lstStyle/>
+          <a:p>
+            <a:r>
+              <a:rPr lang="en-US" altLang="zh-CN" dirty="0" smtClean="0"/>
+              <a:t>c    b    </a:t>
+            </a:r>
+            <a:r>
+              <a:rPr lang="en-US" altLang="zh-CN" dirty="0" err="1" smtClean="0"/>
+              <a:t>b</a:t>
+            </a:r>
+            <a:r>
+              <a:rPr lang="en-US" altLang="zh-CN" dirty="0" smtClean="0"/>
+              <a:t>    d</a:t>
+            </a:r>
+            <a:endParaRPr lang="zh-CN" altLang="en-US" dirty="0"/>
+          </a:p>
+        </p:txBody>
+      </p:sp>
+      <p:sp>
+        <p:nvSpPr>
+          <p:cNvPr id="139" name="文本框 138"/>
+          <p:cNvSpPr txBox="1"/>
+          <p:nvPr/>
+        </p:nvSpPr>
+        <p:spPr>
+          <a:xfrm>
+            <a:off x="4751478" y="3169260"/>
+            <a:ext cx="282450" cy="369332"/>
+          </a:xfrm>
+          <a:prstGeom prst="rect">
+            <a:avLst/>
+          </a:prstGeom>
+          <a:noFill/>
+        </p:spPr>
+        <p:txBody>
+          <a:bodyPr wrap="none" rtlCol="0">
+            <a:spAutoFit/>
+          </a:bodyPr>
+          <a:lstStyle/>
+          <a:p>
+            <a:r>
+              <a:rPr lang="en-US" altLang="zh-CN" dirty="0" smtClean="0"/>
+              <a:t>c</a:t>
+            </a:r>
+            <a:endParaRPr lang="zh-CN" altLang="en-US" dirty="0"/>
+          </a:p>
+        </p:txBody>
+      </p:sp>
+      <p:sp>
+        <p:nvSpPr>
+          <p:cNvPr id="140" name="文本框 139"/>
+          <p:cNvSpPr txBox="1"/>
+          <p:nvPr/>
+        </p:nvSpPr>
+        <p:spPr>
+          <a:xfrm>
+            <a:off x="4744906" y="3529414"/>
+            <a:ext cx="306494" cy="369332"/>
+          </a:xfrm>
+          <a:prstGeom prst="rect">
+            <a:avLst/>
+          </a:prstGeom>
+          <a:noFill/>
+        </p:spPr>
+        <p:txBody>
+          <a:bodyPr wrap="none" rtlCol="0">
+            <a:spAutoFit/>
+          </a:bodyPr>
+          <a:lstStyle/>
+          <a:p>
+            <a:r>
+              <a:rPr lang="en-US" altLang="zh-CN" dirty="0" smtClean="0"/>
+              <a:t>b</a:t>
+            </a:r>
+            <a:endParaRPr lang="zh-CN" altLang="en-US" dirty="0"/>
+          </a:p>
+        </p:txBody>
+      </p:sp>
+      <p:sp>
+        <p:nvSpPr>
+          <p:cNvPr id="141" name="文本框 140"/>
+          <p:cNvSpPr txBox="1"/>
+          <p:nvPr/>
+        </p:nvSpPr>
+        <p:spPr>
+          <a:xfrm>
+            <a:off x="4744906" y="4244902"/>
+            <a:ext cx="306494" cy="369332"/>
+          </a:xfrm>
+          <a:prstGeom prst="rect">
+            <a:avLst/>
+          </a:prstGeom>
+          <a:noFill/>
+        </p:spPr>
+        <p:txBody>
+          <a:bodyPr wrap="none" rtlCol="0">
+            <a:spAutoFit/>
+          </a:bodyPr>
+          <a:lstStyle/>
+          <a:p>
+            <a:r>
+              <a:rPr lang="en-US" altLang="zh-CN" dirty="0"/>
+              <a:t>d</a:t>
+            </a:r>
+            <a:endParaRPr lang="zh-CN" altLang="en-US" dirty="0"/>
+          </a:p>
+        </p:txBody>
+      </p:sp>
+      <p:sp>
+        <p:nvSpPr>
+          <p:cNvPr id="142" name="文本框 141"/>
+          <p:cNvSpPr txBox="1"/>
+          <p:nvPr/>
+        </p:nvSpPr>
+        <p:spPr>
+          <a:xfrm>
+            <a:off x="4744906" y="3898746"/>
+            <a:ext cx="306494" cy="369332"/>
+          </a:xfrm>
+          <a:prstGeom prst="rect">
+            <a:avLst/>
+          </a:prstGeom>
+          <a:noFill/>
+        </p:spPr>
+        <p:txBody>
+          <a:bodyPr wrap="none" rtlCol="0">
+            <a:spAutoFit/>
+          </a:bodyPr>
+          <a:lstStyle/>
+          <a:p>
+            <a:r>
+              <a:rPr lang="en-US" altLang="zh-CN" dirty="0" smtClean="0"/>
+              <a:t>b</a:t>
+            </a:r>
+            <a:endParaRPr lang="zh-CN" altLang="en-US" dirty="0"/>
+          </a:p>
+        </p:txBody>
+      </p:sp>
+      <p:sp>
+        <p:nvSpPr>
+          <p:cNvPr id="143" name="矩形 142"/>
+          <p:cNvSpPr/>
+          <p:nvPr/>
+        </p:nvSpPr>
+        <p:spPr>
+          <a:xfrm>
+            <a:off x="1565861" y="5059123"/>
+            <a:ext cx="360000" cy="360000"/>
+          </a:xfrm>
+          <a:prstGeom prst="rect">
+            <a:avLst/>
+          </a:prstGeom>
+          <a:solidFill>
+            <a:srgbClr val="00B0F0"/>
+          </a:solidFill>
+        </p:spPr>
+        <p:style>
+          <a:lnRef idx="2">
+            <a:schemeClr val="accent1"/>
+          </a:lnRef>
+          <a:fillRef idx="1">
+            <a:schemeClr val="lt1"/>
+          </a:fillRef>
+          <a:effectRef idx="0">
+            <a:schemeClr val="accent1"/>
+          </a:effectRef>
+          <a:fontRef idx="minor">
+            <a:schemeClr val="dk1"/>
+          </a:fontRef>
+        </p:style>
+        <p:txBody>
+          <a:bodyPr rtlCol="0" anchor="ctr"/>
+          <a:lstStyle/>
+          <a:p>
+            <a:pPr algn="ctr"/>
+            <a:r>
+              <a:rPr lang="en-US" altLang="zh-CN" dirty="0"/>
+              <a:t>0</a:t>
+            </a:r>
+            <a:endParaRPr lang="zh-CN" altLang="en-US" dirty="0"/>
+          </a:p>
+        </p:txBody>
+      </p:sp>
+      <p:sp>
+        <p:nvSpPr>
+          <p:cNvPr id="144" name="矩形 143"/>
+          <p:cNvSpPr/>
+          <p:nvPr/>
+        </p:nvSpPr>
+        <p:spPr>
+          <a:xfrm>
+            <a:off x="1925861" y="5059123"/>
+            <a:ext cx="360000" cy="360000"/>
+          </a:xfrm>
+          <a:prstGeom prst="rect">
+            <a:avLst/>
+          </a:prstGeom>
+          <a:noFill/>
+        </p:spPr>
+        <p:style>
+          <a:lnRef idx="2">
+            <a:schemeClr val="accent1"/>
+          </a:lnRef>
+          <a:fillRef idx="1">
+            <a:schemeClr val="lt1"/>
+          </a:fillRef>
+          <a:effectRef idx="0">
+            <a:schemeClr val="accent1"/>
+          </a:effectRef>
+          <a:fontRef idx="minor">
+            <a:schemeClr val="dk1"/>
+          </a:fontRef>
+        </p:style>
+        <p:txBody>
+          <a:bodyPr rtlCol="0" anchor="ctr"/>
+          <a:lstStyle/>
+          <a:p>
+            <a:pPr algn="ctr"/>
+            <a:r>
+              <a:rPr lang="en-US" altLang="zh-CN" dirty="0" smtClean="0"/>
+              <a:t>0</a:t>
+            </a:r>
+            <a:endParaRPr lang="zh-CN" altLang="en-US" dirty="0"/>
+          </a:p>
+        </p:txBody>
+      </p:sp>
+      <p:sp>
+        <p:nvSpPr>
+          <p:cNvPr id="145" name="矩形 144"/>
+          <p:cNvSpPr/>
+          <p:nvPr/>
+        </p:nvSpPr>
+        <p:spPr>
+          <a:xfrm>
+            <a:off x="2285861" y="5059123"/>
+            <a:ext cx="360000" cy="360000"/>
+          </a:xfrm>
+          <a:prstGeom prst="rect">
+            <a:avLst/>
+          </a:prstGeom>
+          <a:noFill/>
+        </p:spPr>
+        <p:style>
+          <a:lnRef idx="2">
+            <a:schemeClr val="accent1"/>
+          </a:lnRef>
+          <a:fillRef idx="1">
+            <a:schemeClr val="lt1"/>
+          </a:fillRef>
+          <a:effectRef idx="0">
+            <a:schemeClr val="accent1"/>
+          </a:effectRef>
+          <a:fontRef idx="minor">
+            <a:schemeClr val="dk1"/>
+          </a:fontRef>
+        </p:style>
+        <p:txBody>
+          <a:bodyPr rtlCol="0" anchor="ctr"/>
+          <a:lstStyle/>
+          <a:p>
+            <a:pPr algn="ctr"/>
+            <a:r>
+              <a:rPr lang="en-US" altLang="zh-CN" dirty="0" smtClean="0"/>
+              <a:t>0</a:t>
+            </a:r>
+            <a:endParaRPr lang="zh-CN" altLang="en-US" dirty="0"/>
+          </a:p>
+        </p:txBody>
+      </p:sp>
+      <p:sp>
+        <p:nvSpPr>
+          <p:cNvPr id="146" name="矩形 145"/>
+          <p:cNvSpPr/>
+          <p:nvPr/>
+        </p:nvSpPr>
+        <p:spPr>
+          <a:xfrm>
+            <a:off x="1205861" y="5059123"/>
+            <a:ext cx="360000" cy="360000"/>
+          </a:xfrm>
+          <a:prstGeom prst="rect">
+            <a:avLst/>
+          </a:prstGeom>
+          <a:noFill/>
+        </p:spPr>
+        <p:style>
+          <a:lnRef idx="2">
+            <a:schemeClr val="accent1"/>
+          </a:lnRef>
+          <a:fillRef idx="1">
+            <a:schemeClr val="lt1"/>
+          </a:fillRef>
+          <a:effectRef idx="0">
+            <a:schemeClr val="accent1"/>
+          </a:effectRef>
+          <a:fontRef idx="minor">
+            <a:schemeClr val="dk1"/>
+          </a:fontRef>
+        </p:style>
+        <p:txBody>
+          <a:bodyPr rtlCol="0" anchor="ctr"/>
+          <a:lstStyle/>
+          <a:p>
+            <a:pPr algn="ctr"/>
+            <a:r>
+              <a:rPr lang="en-US" altLang="zh-CN" dirty="0" smtClean="0"/>
+              <a:t>1</a:t>
+            </a:r>
+            <a:endParaRPr lang="zh-CN" altLang="en-US" dirty="0"/>
+          </a:p>
+        </p:txBody>
+      </p:sp>
+      <p:sp>
+        <p:nvSpPr>
+          <p:cNvPr id="147" name="矩形 146"/>
+          <p:cNvSpPr/>
+          <p:nvPr/>
+        </p:nvSpPr>
+        <p:spPr>
+          <a:xfrm>
+            <a:off x="1565861" y="5419123"/>
+            <a:ext cx="360000" cy="360000"/>
+          </a:xfrm>
+          <a:prstGeom prst="rect">
+            <a:avLst/>
+          </a:prstGeom>
+          <a:noFill/>
+        </p:spPr>
+        <p:style>
+          <a:lnRef idx="2">
+            <a:schemeClr val="accent1"/>
+          </a:lnRef>
+          <a:fillRef idx="1">
+            <a:schemeClr val="lt1"/>
+          </a:fillRef>
+          <a:effectRef idx="0">
+            <a:schemeClr val="accent1"/>
+          </a:effectRef>
+          <a:fontRef idx="minor">
+            <a:schemeClr val="dk1"/>
+          </a:fontRef>
+        </p:style>
+        <p:txBody>
+          <a:bodyPr rtlCol="0" anchor="ctr"/>
+          <a:lstStyle/>
+          <a:p>
+            <a:pPr algn="ctr"/>
+            <a:r>
+              <a:rPr lang="en-US" altLang="zh-CN" dirty="0" smtClean="0"/>
+              <a:t>1</a:t>
+            </a:r>
+            <a:endParaRPr lang="zh-CN" altLang="en-US" dirty="0"/>
+          </a:p>
+        </p:txBody>
+      </p:sp>
+      <p:sp>
+        <p:nvSpPr>
+          <p:cNvPr id="148" name="矩形 147"/>
+          <p:cNvSpPr/>
+          <p:nvPr/>
+        </p:nvSpPr>
+        <p:spPr>
+          <a:xfrm>
+            <a:off x="1925861" y="5419123"/>
+            <a:ext cx="360000" cy="360000"/>
+          </a:xfrm>
+          <a:prstGeom prst="rect">
+            <a:avLst/>
+          </a:prstGeom>
+          <a:noFill/>
+        </p:spPr>
+        <p:style>
+          <a:lnRef idx="2">
+            <a:schemeClr val="accent1"/>
+          </a:lnRef>
+          <a:fillRef idx="1">
+            <a:schemeClr val="lt1"/>
+          </a:fillRef>
+          <a:effectRef idx="0">
+            <a:schemeClr val="accent1"/>
+          </a:effectRef>
+          <a:fontRef idx="minor">
+            <a:schemeClr val="dk1"/>
+          </a:fontRef>
+        </p:style>
+        <p:txBody>
+          <a:bodyPr rtlCol="0" anchor="ctr"/>
+          <a:lstStyle/>
+          <a:p>
+            <a:pPr algn="ctr"/>
+            <a:r>
+              <a:rPr lang="en-US" altLang="zh-CN" dirty="0" smtClean="0"/>
+              <a:t>1</a:t>
+            </a:r>
+            <a:endParaRPr lang="zh-CN" altLang="en-US" dirty="0"/>
+          </a:p>
+        </p:txBody>
+      </p:sp>
+      <p:sp>
+        <p:nvSpPr>
+          <p:cNvPr id="149" name="矩形 148"/>
+          <p:cNvSpPr/>
+          <p:nvPr/>
+        </p:nvSpPr>
+        <p:spPr>
+          <a:xfrm>
+            <a:off x="2285861" y="5419123"/>
+            <a:ext cx="360000" cy="360000"/>
+          </a:xfrm>
+          <a:prstGeom prst="rect">
+            <a:avLst/>
+          </a:prstGeom>
+          <a:noFill/>
+        </p:spPr>
+        <p:style>
+          <a:lnRef idx="2">
+            <a:schemeClr val="accent1"/>
+          </a:lnRef>
+          <a:fillRef idx="1">
+            <a:schemeClr val="lt1"/>
+          </a:fillRef>
+          <a:effectRef idx="0">
+            <a:schemeClr val="accent1"/>
+          </a:effectRef>
+          <a:fontRef idx="minor">
+            <a:schemeClr val="dk1"/>
+          </a:fontRef>
+        </p:style>
+        <p:txBody>
+          <a:bodyPr rtlCol="0" anchor="ctr"/>
+          <a:lstStyle/>
+          <a:p>
+            <a:pPr algn="ctr"/>
+            <a:r>
+              <a:rPr lang="en-US" altLang="zh-CN" dirty="0" smtClean="0"/>
+              <a:t>0</a:t>
+            </a:r>
+            <a:endParaRPr lang="zh-CN" altLang="en-US" dirty="0"/>
+          </a:p>
+        </p:txBody>
+      </p:sp>
+      <p:sp>
+        <p:nvSpPr>
+          <p:cNvPr id="150" name="矩形 149"/>
+          <p:cNvSpPr/>
+          <p:nvPr/>
+        </p:nvSpPr>
+        <p:spPr>
+          <a:xfrm>
+            <a:off x="1205861" y="5419123"/>
+            <a:ext cx="360000" cy="360000"/>
+          </a:xfrm>
+          <a:prstGeom prst="rect">
+            <a:avLst/>
+          </a:prstGeom>
+          <a:noFill/>
+        </p:spPr>
+        <p:style>
+          <a:lnRef idx="2">
+            <a:schemeClr val="accent1"/>
+          </a:lnRef>
+          <a:fillRef idx="1">
+            <a:schemeClr val="lt1"/>
+          </a:fillRef>
+          <a:effectRef idx="0">
+            <a:schemeClr val="accent1"/>
+          </a:effectRef>
+          <a:fontRef idx="minor">
+            <a:schemeClr val="dk1"/>
+          </a:fontRef>
+        </p:style>
+        <p:txBody>
+          <a:bodyPr rtlCol="0" anchor="ctr"/>
+          <a:lstStyle/>
+          <a:p>
+            <a:pPr algn="ctr"/>
+            <a:endParaRPr lang="zh-CN" altLang="en-US" dirty="0"/>
+          </a:p>
+        </p:txBody>
+      </p:sp>
+      <p:sp>
+        <p:nvSpPr>
+          <p:cNvPr id="151" name="矩形 150"/>
+          <p:cNvSpPr/>
+          <p:nvPr/>
+        </p:nvSpPr>
+        <p:spPr>
+          <a:xfrm>
+            <a:off x="1565861" y="5779123"/>
+            <a:ext cx="360000" cy="360000"/>
+          </a:xfrm>
+          <a:prstGeom prst="rect">
+            <a:avLst/>
+          </a:prstGeom>
+          <a:noFill/>
+        </p:spPr>
+        <p:style>
+          <a:lnRef idx="2">
+            <a:schemeClr val="accent1"/>
+          </a:lnRef>
+          <a:fillRef idx="1">
+            <a:schemeClr val="lt1"/>
+          </a:fillRef>
+          <a:effectRef idx="0">
+            <a:schemeClr val="accent1"/>
+          </a:effectRef>
+          <a:fontRef idx="minor">
+            <a:schemeClr val="dk1"/>
+          </a:fontRef>
+        </p:style>
+        <p:txBody>
+          <a:bodyPr rtlCol="0" anchor="ctr"/>
+          <a:lstStyle/>
+          <a:p>
+            <a:pPr algn="ctr"/>
+            <a:endParaRPr lang="zh-CN" altLang="en-US" dirty="0"/>
+          </a:p>
+        </p:txBody>
+      </p:sp>
+      <p:sp>
+        <p:nvSpPr>
+          <p:cNvPr id="152" name="矩形 151"/>
+          <p:cNvSpPr/>
+          <p:nvPr/>
+        </p:nvSpPr>
+        <p:spPr>
+          <a:xfrm>
+            <a:off x="1925861" y="5779123"/>
+            <a:ext cx="360000" cy="360000"/>
+          </a:xfrm>
+          <a:prstGeom prst="rect">
+            <a:avLst/>
+          </a:prstGeom>
+          <a:noFill/>
+        </p:spPr>
+        <p:style>
+          <a:lnRef idx="2">
+            <a:schemeClr val="accent1"/>
+          </a:lnRef>
+          <a:fillRef idx="1">
+            <a:schemeClr val="lt1"/>
+          </a:fillRef>
+          <a:effectRef idx="0">
+            <a:schemeClr val="accent1"/>
+          </a:effectRef>
+          <a:fontRef idx="minor">
+            <a:schemeClr val="dk1"/>
+          </a:fontRef>
+        </p:style>
+        <p:txBody>
+          <a:bodyPr rtlCol="0" anchor="ctr"/>
+          <a:lstStyle/>
+          <a:p>
+            <a:pPr algn="ctr"/>
+            <a:r>
+              <a:rPr lang="en-US" altLang="zh-CN" dirty="0" smtClean="0"/>
+              <a:t>1</a:t>
+            </a:r>
+            <a:endParaRPr lang="zh-CN" altLang="en-US" dirty="0"/>
+          </a:p>
+        </p:txBody>
+      </p:sp>
+      <p:sp>
+        <p:nvSpPr>
+          <p:cNvPr id="153" name="矩形 152"/>
+          <p:cNvSpPr/>
+          <p:nvPr/>
+        </p:nvSpPr>
+        <p:spPr>
+          <a:xfrm>
+            <a:off x="2285861" y="5779123"/>
+            <a:ext cx="360000" cy="360000"/>
+          </a:xfrm>
+          <a:prstGeom prst="rect">
+            <a:avLst/>
+          </a:prstGeom>
+          <a:noFill/>
+        </p:spPr>
+        <p:style>
+          <a:lnRef idx="2">
+            <a:schemeClr val="accent1"/>
+          </a:lnRef>
+          <a:fillRef idx="1">
+            <a:schemeClr val="lt1"/>
+          </a:fillRef>
+          <a:effectRef idx="0">
+            <a:schemeClr val="accent1"/>
+          </a:effectRef>
+          <a:fontRef idx="minor">
+            <a:schemeClr val="dk1"/>
+          </a:fontRef>
+        </p:style>
+        <p:txBody>
+          <a:bodyPr rtlCol="0" anchor="ctr"/>
+          <a:lstStyle/>
+          <a:p>
+            <a:pPr algn="ctr"/>
+            <a:r>
+              <a:rPr lang="en-US" altLang="zh-CN" dirty="0" smtClean="0"/>
+              <a:t>0</a:t>
+            </a:r>
+            <a:endParaRPr lang="zh-CN" altLang="en-US" dirty="0"/>
+          </a:p>
+        </p:txBody>
+      </p:sp>
+      <p:sp>
+        <p:nvSpPr>
+          <p:cNvPr id="154" name="矩形 153"/>
+          <p:cNvSpPr/>
+          <p:nvPr/>
+        </p:nvSpPr>
+        <p:spPr>
+          <a:xfrm>
+            <a:off x="1205861" y="5779123"/>
+            <a:ext cx="360000" cy="360000"/>
+          </a:xfrm>
+          <a:prstGeom prst="rect">
+            <a:avLst/>
+          </a:prstGeom>
+          <a:noFill/>
+        </p:spPr>
+        <p:style>
+          <a:lnRef idx="2">
+            <a:schemeClr val="accent1"/>
+          </a:lnRef>
+          <a:fillRef idx="1">
+            <a:schemeClr val="lt1"/>
+          </a:fillRef>
+          <a:effectRef idx="0">
+            <a:schemeClr val="accent1"/>
+          </a:effectRef>
+          <a:fontRef idx="minor">
+            <a:schemeClr val="dk1"/>
+          </a:fontRef>
+        </p:style>
+        <p:txBody>
+          <a:bodyPr rtlCol="0" anchor="ctr"/>
+          <a:lstStyle/>
+          <a:p>
+            <a:pPr algn="ctr"/>
+            <a:endParaRPr lang="zh-CN" altLang="en-US" dirty="0"/>
+          </a:p>
+        </p:txBody>
+      </p:sp>
+      <p:sp>
+        <p:nvSpPr>
+          <p:cNvPr id="155" name="矩形 154"/>
+          <p:cNvSpPr/>
+          <p:nvPr/>
+        </p:nvSpPr>
+        <p:spPr>
+          <a:xfrm>
+            <a:off x="1565861" y="6139123"/>
+            <a:ext cx="360000" cy="360000"/>
+          </a:xfrm>
+          <a:prstGeom prst="rect">
+            <a:avLst/>
+          </a:prstGeom>
+          <a:noFill/>
+        </p:spPr>
+        <p:style>
+          <a:lnRef idx="2">
+            <a:schemeClr val="accent1"/>
+          </a:lnRef>
+          <a:fillRef idx="1">
+            <a:schemeClr val="lt1"/>
+          </a:fillRef>
+          <a:effectRef idx="0">
+            <a:schemeClr val="accent1"/>
+          </a:effectRef>
+          <a:fontRef idx="minor">
+            <a:schemeClr val="dk1"/>
+          </a:fontRef>
+        </p:style>
+        <p:txBody>
+          <a:bodyPr rtlCol="0" anchor="ctr"/>
+          <a:lstStyle/>
+          <a:p>
+            <a:pPr algn="ctr"/>
+            <a:endParaRPr lang="zh-CN" altLang="en-US" dirty="0"/>
+          </a:p>
+        </p:txBody>
+      </p:sp>
+      <p:sp>
+        <p:nvSpPr>
+          <p:cNvPr id="156" name="矩形 155"/>
+          <p:cNvSpPr/>
+          <p:nvPr/>
+        </p:nvSpPr>
+        <p:spPr>
+          <a:xfrm>
+            <a:off x="1925861" y="6139123"/>
+            <a:ext cx="360000" cy="360000"/>
+          </a:xfrm>
+          <a:prstGeom prst="rect">
+            <a:avLst/>
+          </a:prstGeom>
+          <a:noFill/>
+        </p:spPr>
+        <p:style>
+          <a:lnRef idx="2">
+            <a:schemeClr val="accent1"/>
+          </a:lnRef>
+          <a:fillRef idx="1">
+            <a:schemeClr val="lt1"/>
+          </a:fillRef>
+          <a:effectRef idx="0">
+            <a:schemeClr val="accent1"/>
+          </a:effectRef>
+          <a:fontRef idx="minor">
+            <a:schemeClr val="dk1"/>
+          </a:fontRef>
+        </p:style>
+        <p:txBody>
+          <a:bodyPr rtlCol="0" anchor="ctr"/>
+          <a:lstStyle/>
+          <a:p>
+            <a:pPr algn="ctr"/>
+            <a:endParaRPr lang="zh-CN" altLang="en-US" dirty="0"/>
+          </a:p>
+        </p:txBody>
+      </p:sp>
+      <p:sp>
+        <p:nvSpPr>
+          <p:cNvPr id="157" name="矩形 156"/>
+          <p:cNvSpPr/>
+          <p:nvPr/>
+        </p:nvSpPr>
+        <p:spPr>
+          <a:xfrm>
+            <a:off x="2285861" y="6139123"/>
+            <a:ext cx="360000" cy="360000"/>
+          </a:xfrm>
+          <a:prstGeom prst="rect">
+            <a:avLst/>
+          </a:prstGeom>
+          <a:noFill/>
+        </p:spPr>
+        <p:style>
+          <a:lnRef idx="2">
+            <a:schemeClr val="accent1"/>
+          </a:lnRef>
+          <a:fillRef idx="1">
+            <a:schemeClr val="lt1"/>
+          </a:fillRef>
+          <a:effectRef idx="0">
+            <a:schemeClr val="accent1"/>
+          </a:effectRef>
+          <a:fontRef idx="minor">
+            <a:schemeClr val="dk1"/>
+          </a:fontRef>
+        </p:style>
+        <p:txBody>
+          <a:bodyPr rtlCol="0" anchor="ctr"/>
+          <a:lstStyle/>
+          <a:p>
+            <a:pPr algn="ctr"/>
+            <a:r>
+              <a:rPr lang="en-US" altLang="zh-CN" dirty="0" smtClean="0"/>
+              <a:t>1</a:t>
+            </a:r>
+            <a:endParaRPr lang="zh-CN" altLang="en-US" dirty="0"/>
+          </a:p>
+        </p:txBody>
+      </p:sp>
+      <p:sp>
+        <p:nvSpPr>
+          <p:cNvPr id="158" name="矩形 157"/>
+          <p:cNvSpPr/>
+          <p:nvPr/>
+        </p:nvSpPr>
+        <p:spPr>
+          <a:xfrm>
+            <a:off x="1205861" y="6139123"/>
+            <a:ext cx="360000" cy="360000"/>
+          </a:xfrm>
+          <a:prstGeom prst="rect">
+            <a:avLst/>
+          </a:prstGeom>
+          <a:noFill/>
+        </p:spPr>
+        <p:style>
+          <a:lnRef idx="2">
+            <a:schemeClr val="accent1"/>
+          </a:lnRef>
+          <a:fillRef idx="1">
+            <a:schemeClr val="lt1"/>
+          </a:fillRef>
+          <a:effectRef idx="0">
+            <a:schemeClr val="accent1"/>
+          </a:effectRef>
+          <a:fontRef idx="minor">
+            <a:schemeClr val="dk1"/>
+          </a:fontRef>
+        </p:style>
+        <p:txBody>
+          <a:bodyPr rtlCol="0" anchor="ctr"/>
+          <a:lstStyle/>
+          <a:p>
+            <a:pPr algn="ctr"/>
+            <a:endParaRPr lang="zh-CN" altLang="en-US" dirty="0"/>
+          </a:p>
+        </p:txBody>
+      </p:sp>
+      <p:sp>
+        <p:nvSpPr>
+          <p:cNvPr id="159" name="文本框 158"/>
+          <p:cNvSpPr txBox="1"/>
+          <p:nvPr/>
+        </p:nvSpPr>
+        <p:spPr>
+          <a:xfrm>
+            <a:off x="1284499" y="4694457"/>
+            <a:ext cx="1282723" cy="369332"/>
+          </a:xfrm>
+          <a:prstGeom prst="rect">
+            <a:avLst/>
+          </a:prstGeom>
+          <a:noFill/>
+        </p:spPr>
+        <p:txBody>
+          <a:bodyPr wrap="none" rtlCol="0">
+            <a:spAutoFit/>
+          </a:bodyPr>
+          <a:lstStyle/>
+          <a:p>
+            <a:r>
+              <a:rPr lang="en-US" altLang="zh-CN" dirty="0" smtClean="0"/>
+              <a:t>c    b    </a:t>
+            </a:r>
+            <a:r>
+              <a:rPr lang="en-US" altLang="zh-CN" dirty="0" err="1" smtClean="0"/>
+              <a:t>b</a:t>
+            </a:r>
+            <a:r>
+              <a:rPr lang="en-US" altLang="zh-CN" dirty="0" smtClean="0"/>
+              <a:t>    d</a:t>
+            </a:r>
+            <a:endParaRPr lang="zh-CN" altLang="en-US" dirty="0"/>
+          </a:p>
+        </p:txBody>
+      </p:sp>
+      <p:sp>
+        <p:nvSpPr>
+          <p:cNvPr id="160" name="文本框 159"/>
+          <p:cNvSpPr txBox="1"/>
+          <p:nvPr/>
+        </p:nvSpPr>
+        <p:spPr>
+          <a:xfrm>
+            <a:off x="844772" y="5045125"/>
+            <a:ext cx="282450" cy="369332"/>
+          </a:xfrm>
+          <a:prstGeom prst="rect">
+            <a:avLst/>
+          </a:prstGeom>
+          <a:noFill/>
+        </p:spPr>
+        <p:txBody>
+          <a:bodyPr wrap="none" rtlCol="0">
+            <a:spAutoFit/>
+          </a:bodyPr>
+          <a:lstStyle/>
+          <a:p>
+            <a:r>
+              <a:rPr lang="en-US" altLang="zh-CN" dirty="0" smtClean="0"/>
+              <a:t>c</a:t>
+            </a:r>
+            <a:endParaRPr lang="zh-CN" altLang="en-US" dirty="0"/>
+          </a:p>
+        </p:txBody>
+      </p:sp>
+      <p:sp>
+        <p:nvSpPr>
+          <p:cNvPr id="161" name="文本框 160"/>
+          <p:cNvSpPr txBox="1"/>
+          <p:nvPr/>
+        </p:nvSpPr>
+        <p:spPr>
+          <a:xfrm>
+            <a:off x="838200" y="5405279"/>
+            <a:ext cx="306494" cy="369332"/>
+          </a:xfrm>
+          <a:prstGeom prst="rect">
+            <a:avLst/>
+          </a:prstGeom>
+          <a:noFill/>
+        </p:spPr>
+        <p:txBody>
+          <a:bodyPr wrap="none" rtlCol="0">
+            <a:spAutoFit/>
+          </a:bodyPr>
+          <a:lstStyle/>
+          <a:p>
+            <a:r>
+              <a:rPr lang="en-US" altLang="zh-CN" dirty="0" smtClean="0"/>
+              <a:t>b</a:t>
+            </a:r>
+            <a:endParaRPr lang="zh-CN" altLang="en-US" dirty="0"/>
+          </a:p>
+        </p:txBody>
+      </p:sp>
+      <p:sp>
+        <p:nvSpPr>
+          <p:cNvPr id="162" name="文本框 161"/>
+          <p:cNvSpPr txBox="1"/>
+          <p:nvPr/>
+        </p:nvSpPr>
+        <p:spPr>
+          <a:xfrm>
+            <a:off x="838200" y="6120767"/>
+            <a:ext cx="306494" cy="369332"/>
+          </a:xfrm>
+          <a:prstGeom prst="rect">
+            <a:avLst/>
+          </a:prstGeom>
+          <a:noFill/>
+        </p:spPr>
+        <p:txBody>
+          <a:bodyPr wrap="none" rtlCol="0">
+            <a:spAutoFit/>
+          </a:bodyPr>
+          <a:lstStyle/>
+          <a:p>
+            <a:r>
+              <a:rPr lang="en-US" altLang="zh-CN" dirty="0"/>
+              <a:t>d</a:t>
+            </a:r>
+            <a:endParaRPr lang="zh-CN" altLang="en-US" dirty="0"/>
+          </a:p>
+        </p:txBody>
+      </p:sp>
+      <p:sp>
+        <p:nvSpPr>
+          <p:cNvPr id="163" name="文本框 162"/>
+          <p:cNvSpPr txBox="1"/>
+          <p:nvPr/>
+        </p:nvSpPr>
+        <p:spPr>
+          <a:xfrm>
+            <a:off x="838200" y="5774611"/>
+            <a:ext cx="306494" cy="369332"/>
+          </a:xfrm>
+          <a:prstGeom prst="rect">
+            <a:avLst/>
+          </a:prstGeom>
+          <a:noFill/>
+        </p:spPr>
+        <p:txBody>
+          <a:bodyPr wrap="none" rtlCol="0">
+            <a:spAutoFit/>
+          </a:bodyPr>
+          <a:lstStyle/>
+          <a:p>
+            <a:r>
+              <a:rPr lang="en-US" altLang="zh-CN" dirty="0" smtClean="0"/>
+              <a:t>b</a:t>
+            </a:r>
+            <a:endParaRPr lang="zh-CN" altLang="en-US" dirty="0"/>
+          </a:p>
+        </p:txBody>
+      </p:sp>
+      <p:sp>
+        <p:nvSpPr>
+          <p:cNvPr id="164" name="矩形 163"/>
+          <p:cNvSpPr/>
+          <p:nvPr/>
+        </p:nvSpPr>
+        <p:spPr>
+          <a:xfrm>
+            <a:off x="3497488" y="5059123"/>
+            <a:ext cx="360000" cy="360000"/>
+          </a:xfrm>
+          <a:prstGeom prst="rect">
+            <a:avLst/>
+          </a:prstGeom>
+          <a:noFill/>
+        </p:spPr>
+        <p:style>
+          <a:lnRef idx="2">
+            <a:schemeClr val="accent1"/>
+          </a:lnRef>
+          <a:fillRef idx="1">
+            <a:schemeClr val="lt1"/>
+          </a:fillRef>
+          <a:effectRef idx="0">
+            <a:schemeClr val="accent1"/>
+          </a:effectRef>
+          <a:fontRef idx="minor">
+            <a:schemeClr val="dk1"/>
+          </a:fontRef>
+        </p:style>
+        <p:txBody>
+          <a:bodyPr rtlCol="0" anchor="ctr"/>
+          <a:lstStyle/>
+          <a:p>
+            <a:pPr algn="ctr"/>
+            <a:r>
+              <a:rPr lang="en-US" altLang="zh-CN" dirty="0"/>
+              <a:t>0</a:t>
+            </a:r>
+            <a:endParaRPr lang="zh-CN" altLang="en-US" dirty="0"/>
+          </a:p>
+        </p:txBody>
+      </p:sp>
+      <p:sp>
+        <p:nvSpPr>
+          <p:cNvPr id="165" name="矩形 164"/>
+          <p:cNvSpPr/>
+          <p:nvPr/>
+        </p:nvSpPr>
+        <p:spPr>
+          <a:xfrm>
+            <a:off x="3857488" y="5059123"/>
+            <a:ext cx="360000" cy="360000"/>
+          </a:xfrm>
+          <a:prstGeom prst="rect">
+            <a:avLst/>
+          </a:prstGeom>
+          <a:noFill/>
+        </p:spPr>
+        <p:style>
+          <a:lnRef idx="2">
+            <a:schemeClr val="accent1"/>
+          </a:lnRef>
+          <a:fillRef idx="1">
+            <a:schemeClr val="lt1"/>
+          </a:fillRef>
+          <a:effectRef idx="0">
+            <a:schemeClr val="accent1"/>
+          </a:effectRef>
+          <a:fontRef idx="minor">
+            <a:schemeClr val="dk1"/>
+          </a:fontRef>
+        </p:style>
+        <p:txBody>
+          <a:bodyPr rtlCol="0" anchor="ctr"/>
+          <a:lstStyle/>
+          <a:p>
+            <a:pPr algn="ctr"/>
+            <a:r>
+              <a:rPr lang="en-US" altLang="zh-CN" dirty="0" smtClean="0"/>
+              <a:t>0</a:t>
+            </a:r>
+            <a:endParaRPr lang="zh-CN" altLang="en-US" dirty="0"/>
+          </a:p>
+        </p:txBody>
+      </p:sp>
+      <p:sp>
+        <p:nvSpPr>
+          <p:cNvPr id="166" name="矩形 165"/>
+          <p:cNvSpPr/>
+          <p:nvPr/>
+        </p:nvSpPr>
+        <p:spPr>
+          <a:xfrm>
+            <a:off x="4217488" y="5059123"/>
+            <a:ext cx="360000" cy="360000"/>
+          </a:xfrm>
+          <a:prstGeom prst="rect">
+            <a:avLst/>
+          </a:prstGeom>
+          <a:noFill/>
+        </p:spPr>
+        <p:style>
+          <a:lnRef idx="2">
+            <a:schemeClr val="accent1"/>
+          </a:lnRef>
+          <a:fillRef idx="1">
+            <a:schemeClr val="lt1"/>
+          </a:fillRef>
+          <a:effectRef idx="0">
+            <a:schemeClr val="accent1"/>
+          </a:effectRef>
+          <a:fontRef idx="minor">
+            <a:schemeClr val="dk1"/>
+          </a:fontRef>
+        </p:style>
+        <p:txBody>
+          <a:bodyPr rtlCol="0" anchor="ctr"/>
+          <a:lstStyle/>
+          <a:p>
+            <a:pPr algn="ctr"/>
+            <a:r>
+              <a:rPr lang="en-US" altLang="zh-CN" dirty="0" smtClean="0"/>
+              <a:t>0</a:t>
+            </a:r>
+            <a:endParaRPr lang="zh-CN" altLang="en-US" dirty="0"/>
+          </a:p>
+        </p:txBody>
+      </p:sp>
+      <p:sp>
+        <p:nvSpPr>
+          <p:cNvPr id="167" name="矩形 166"/>
+          <p:cNvSpPr/>
+          <p:nvPr/>
+        </p:nvSpPr>
+        <p:spPr>
+          <a:xfrm>
+            <a:off x="3137488" y="5059123"/>
+            <a:ext cx="360000" cy="360000"/>
+          </a:xfrm>
+          <a:prstGeom prst="rect">
+            <a:avLst/>
+          </a:prstGeom>
+          <a:noFill/>
+        </p:spPr>
+        <p:style>
+          <a:lnRef idx="2">
+            <a:schemeClr val="accent1"/>
+          </a:lnRef>
+          <a:fillRef idx="1">
+            <a:schemeClr val="lt1"/>
+          </a:fillRef>
+          <a:effectRef idx="0">
+            <a:schemeClr val="accent1"/>
+          </a:effectRef>
+          <a:fontRef idx="minor">
+            <a:schemeClr val="dk1"/>
+          </a:fontRef>
+        </p:style>
+        <p:txBody>
+          <a:bodyPr rtlCol="0" anchor="ctr"/>
+          <a:lstStyle/>
+          <a:p>
+            <a:pPr algn="ctr"/>
+            <a:r>
+              <a:rPr lang="en-US" altLang="zh-CN" dirty="0" smtClean="0"/>
+              <a:t>1</a:t>
+            </a:r>
+            <a:endParaRPr lang="zh-CN" altLang="en-US" dirty="0"/>
+          </a:p>
+        </p:txBody>
+      </p:sp>
+      <p:sp>
+        <p:nvSpPr>
+          <p:cNvPr id="168" name="矩形 167"/>
+          <p:cNvSpPr/>
+          <p:nvPr/>
+        </p:nvSpPr>
+        <p:spPr>
+          <a:xfrm>
+            <a:off x="3497488" y="5419123"/>
+            <a:ext cx="360000" cy="360000"/>
+          </a:xfrm>
+          <a:prstGeom prst="rect">
+            <a:avLst/>
+          </a:prstGeom>
+          <a:noFill/>
+        </p:spPr>
+        <p:style>
+          <a:lnRef idx="2">
+            <a:schemeClr val="accent1"/>
+          </a:lnRef>
+          <a:fillRef idx="1">
+            <a:schemeClr val="lt1"/>
+          </a:fillRef>
+          <a:effectRef idx="0">
+            <a:schemeClr val="accent1"/>
+          </a:effectRef>
+          <a:fontRef idx="minor">
+            <a:schemeClr val="dk1"/>
+          </a:fontRef>
+        </p:style>
+        <p:txBody>
+          <a:bodyPr rtlCol="0" anchor="ctr"/>
+          <a:lstStyle/>
+          <a:p>
+            <a:pPr algn="ctr"/>
+            <a:r>
+              <a:rPr lang="en-US" altLang="zh-CN" dirty="0" smtClean="0"/>
+              <a:t>1</a:t>
+            </a:r>
+            <a:endParaRPr lang="zh-CN" altLang="en-US" dirty="0"/>
+          </a:p>
+        </p:txBody>
+      </p:sp>
+      <p:sp>
+        <p:nvSpPr>
+          <p:cNvPr id="169" name="矩形 168"/>
+          <p:cNvSpPr/>
+          <p:nvPr/>
+        </p:nvSpPr>
+        <p:spPr>
+          <a:xfrm>
+            <a:off x="3857488" y="5419123"/>
+            <a:ext cx="360000" cy="360000"/>
+          </a:xfrm>
+          <a:prstGeom prst="rect">
+            <a:avLst/>
+          </a:prstGeom>
+          <a:solidFill>
+            <a:schemeClr val="accent6"/>
+          </a:solidFill>
+        </p:spPr>
+        <p:style>
+          <a:lnRef idx="2">
+            <a:schemeClr val="accent1"/>
+          </a:lnRef>
+          <a:fillRef idx="1">
+            <a:schemeClr val="lt1"/>
+          </a:fillRef>
+          <a:effectRef idx="0">
+            <a:schemeClr val="accent1"/>
+          </a:effectRef>
+          <a:fontRef idx="minor">
+            <a:schemeClr val="dk1"/>
+          </a:fontRef>
+        </p:style>
+        <p:txBody>
+          <a:bodyPr rtlCol="0" anchor="ctr"/>
+          <a:lstStyle/>
+          <a:p>
+            <a:pPr algn="ctr"/>
+            <a:r>
+              <a:rPr lang="en-US" altLang="zh-CN" dirty="0" smtClean="0"/>
+              <a:t>1</a:t>
+            </a:r>
+            <a:endParaRPr lang="zh-CN" altLang="en-US" dirty="0"/>
+          </a:p>
+        </p:txBody>
+      </p:sp>
+      <p:sp>
+        <p:nvSpPr>
+          <p:cNvPr id="170" name="矩形 169"/>
+          <p:cNvSpPr/>
+          <p:nvPr/>
+        </p:nvSpPr>
+        <p:spPr>
+          <a:xfrm>
+            <a:off x="4217488" y="5419123"/>
+            <a:ext cx="360000" cy="360000"/>
+          </a:xfrm>
+          <a:prstGeom prst="rect">
+            <a:avLst/>
+          </a:prstGeom>
+          <a:noFill/>
+        </p:spPr>
+        <p:style>
+          <a:lnRef idx="2">
+            <a:schemeClr val="accent1"/>
+          </a:lnRef>
+          <a:fillRef idx="1">
+            <a:schemeClr val="lt1"/>
+          </a:fillRef>
+          <a:effectRef idx="0">
+            <a:schemeClr val="accent1"/>
+          </a:effectRef>
+          <a:fontRef idx="minor">
+            <a:schemeClr val="dk1"/>
+          </a:fontRef>
+        </p:style>
+        <p:txBody>
+          <a:bodyPr rtlCol="0" anchor="ctr"/>
+          <a:lstStyle/>
+          <a:p>
+            <a:pPr algn="ctr"/>
+            <a:r>
+              <a:rPr lang="en-US" altLang="zh-CN" dirty="0" smtClean="0"/>
+              <a:t>0</a:t>
+            </a:r>
+            <a:endParaRPr lang="zh-CN" altLang="en-US" dirty="0"/>
+          </a:p>
+        </p:txBody>
+      </p:sp>
+      <p:sp>
+        <p:nvSpPr>
+          <p:cNvPr id="171" name="矩形 170"/>
+          <p:cNvSpPr/>
+          <p:nvPr/>
+        </p:nvSpPr>
+        <p:spPr>
+          <a:xfrm>
+            <a:off x="3137488" y="5419123"/>
+            <a:ext cx="360000" cy="360000"/>
+          </a:xfrm>
+          <a:prstGeom prst="rect">
+            <a:avLst/>
+          </a:prstGeom>
+          <a:noFill/>
+        </p:spPr>
+        <p:style>
+          <a:lnRef idx="2">
+            <a:schemeClr val="accent1"/>
+          </a:lnRef>
+          <a:fillRef idx="1">
+            <a:schemeClr val="lt1"/>
+          </a:fillRef>
+          <a:effectRef idx="0">
+            <a:schemeClr val="accent1"/>
+          </a:effectRef>
+          <a:fontRef idx="minor">
+            <a:schemeClr val="dk1"/>
+          </a:fontRef>
+        </p:style>
+        <p:txBody>
+          <a:bodyPr rtlCol="0" anchor="ctr"/>
+          <a:lstStyle/>
+          <a:p>
+            <a:pPr algn="ctr"/>
+            <a:endParaRPr lang="zh-CN" altLang="en-US" dirty="0"/>
+          </a:p>
+        </p:txBody>
+      </p:sp>
+      <p:sp>
+        <p:nvSpPr>
+          <p:cNvPr id="172" name="矩形 171"/>
+          <p:cNvSpPr/>
+          <p:nvPr/>
+        </p:nvSpPr>
+        <p:spPr>
+          <a:xfrm>
+            <a:off x="3497488" y="5779123"/>
+            <a:ext cx="360000" cy="360000"/>
+          </a:xfrm>
+          <a:prstGeom prst="rect">
+            <a:avLst/>
+          </a:prstGeom>
+          <a:noFill/>
+        </p:spPr>
+        <p:style>
+          <a:lnRef idx="2">
+            <a:schemeClr val="accent1"/>
+          </a:lnRef>
+          <a:fillRef idx="1">
+            <a:schemeClr val="lt1"/>
+          </a:fillRef>
+          <a:effectRef idx="0">
+            <a:schemeClr val="accent1"/>
+          </a:effectRef>
+          <a:fontRef idx="minor">
+            <a:schemeClr val="dk1"/>
+          </a:fontRef>
+        </p:style>
+        <p:txBody>
+          <a:bodyPr rtlCol="0" anchor="ctr"/>
+          <a:lstStyle/>
+          <a:p>
+            <a:pPr algn="ctr"/>
+            <a:endParaRPr lang="zh-CN" altLang="en-US" dirty="0"/>
+          </a:p>
+        </p:txBody>
+      </p:sp>
+      <p:sp>
+        <p:nvSpPr>
+          <p:cNvPr id="173" name="矩形 172"/>
+          <p:cNvSpPr/>
+          <p:nvPr/>
+        </p:nvSpPr>
+        <p:spPr>
+          <a:xfrm>
+            <a:off x="3857488" y="5779123"/>
+            <a:ext cx="360000" cy="360000"/>
+          </a:xfrm>
+          <a:prstGeom prst="rect">
+            <a:avLst/>
+          </a:prstGeom>
+          <a:noFill/>
+        </p:spPr>
+        <p:style>
+          <a:lnRef idx="2">
+            <a:schemeClr val="accent1"/>
+          </a:lnRef>
+          <a:fillRef idx="1">
+            <a:schemeClr val="lt1"/>
+          </a:fillRef>
+          <a:effectRef idx="0">
+            <a:schemeClr val="accent1"/>
+          </a:effectRef>
+          <a:fontRef idx="minor">
+            <a:schemeClr val="dk1"/>
+          </a:fontRef>
+        </p:style>
+        <p:txBody>
+          <a:bodyPr rtlCol="0" anchor="ctr"/>
+          <a:lstStyle/>
+          <a:p>
+            <a:pPr algn="ctr"/>
+            <a:r>
+              <a:rPr lang="en-US" altLang="zh-CN" dirty="0" smtClean="0"/>
+              <a:t>1</a:t>
+            </a:r>
+            <a:endParaRPr lang="zh-CN" altLang="en-US" dirty="0"/>
+          </a:p>
+        </p:txBody>
+      </p:sp>
+      <p:sp>
+        <p:nvSpPr>
+          <p:cNvPr id="174" name="矩形 173"/>
+          <p:cNvSpPr/>
+          <p:nvPr/>
+        </p:nvSpPr>
+        <p:spPr>
+          <a:xfrm>
+            <a:off x="4217488" y="5779123"/>
+            <a:ext cx="360000" cy="360000"/>
+          </a:xfrm>
+          <a:prstGeom prst="rect">
+            <a:avLst/>
+          </a:prstGeom>
+          <a:noFill/>
+        </p:spPr>
+        <p:style>
+          <a:lnRef idx="2">
+            <a:schemeClr val="accent1"/>
+          </a:lnRef>
+          <a:fillRef idx="1">
+            <a:schemeClr val="lt1"/>
+          </a:fillRef>
+          <a:effectRef idx="0">
+            <a:schemeClr val="accent1"/>
+          </a:effectRef>
+          <a:fontRef idx="minor">
+            <a:schemeClr val="dk1"/>
+          </a:fontRef>
+        </p:style>
+        <p:txBody>
+          <a:bodyPr rtlCol="0" anchor="ctr"/>
+          <a:lstStyle/>
+          <a:p>
+            <a:pPr algn="ctr"/>
+            <a:r>
+              <a:rPr lang="en-US" altLang="zh-CN" dirty="0" smtClean="0"/>
+              <a:t>0</a:t>
+            </a:r>
+            <a:endParaRPr lang="zh-CN" altLang="en-US" dirty="0"/>
+          </a:p>
+        </p:txBody>
+      </p:sp>
+      <p:sp>
+        <p:nvSpPr>
+          <p:cNvPr id="175" name="矩形 174"/>
+          <p:cNvSpPr/>
+          <p:nvPr/>
+        </p:nvSpPr>
+        <p:spPr>
+          <a:xfrm>
+            <a:off x="3137488" y="5779123"/>
+            <a:ext cx="360000" cy="360000"/>
+          </a:xfrm>
+          <a:prstGeom prst="rect">
+            <a:avLst/>
+          </a:prstGeom>
+          <a:noFill/>
+        </p:spPr>
+        <p:style>
+          <a:lnRef idx="2">
+            <a:schemeClr val="accent1"/>
+          </a:lnRef>
+          <a:fillRef idx="1">
+            <a:schemeClr val="lt1"/>
+          </a:fillRef>
+          <a:effectRef idx="0">
+            <a:schemeClr val="accent1"/>
+          </a:effectRef>
+          <a:fontRef idx="minor">
+            <a:schemeClr val="dk1"/>
+          </a:fontRef>
+        </p:style>
+        <p:txBody>
+          <a:bodyPr rtlCol="0" anchor="ctr"/>
+          <a:lstStyle/>
+          <a:p>
+            <a:pPr algn="ctr"/>
+            <a:endParaRPr lang="zh-CN" altLang="en-US" dirty="0"/>
+          </a:p>
+        </p:txBody>
+      </p:sp>
+      <p:sp>
+        <p:nvSpPr>
+          <p:cNvPr id="176" name="矩形 175"/>
+          <p:cNvSpPr/>
+          <p:nvPr/>
+        </p:nvSpPr>
+        <p:spPr>
+          <a:xfrm>
+            <a:off x="3497488" y="6139123"/>
+            <a:ext cx="360000" cy="360000"/>
+          </a:xfrm>
+          <a:prstGeom prst="rect">
+            <a:avLst/>
+          </a:prstGeom>
+          <a:noFill/>
+        </p:spPr>
+        <p:style>
+          <a:lnRef idx="2">
+            <a:schemeClr val="accent1"/>
+          </a:lnRef>
+          <a:fillRef idx="1">
+            <a:schemeClr val="lt1"/>
+          </a:fillRef>
+          <a:effectRef idx="0">
+            <a:schemeClr val="accent1"/>
+          </a:effectRef>
+          <a:fontRef idx="minor">
+            <a:schemeClr val="dk1"/>
+          </a:fontRef>
+        </p:style>
+        <p:txBody>
+          <a:bodyPr rtlCol="0" anchor="ctr"/>
+          <a:lstStyle/>
+          <a:p>
+            <a:pPr algn="ctr"/>
+            <a:endParaRPr lang="zh-CN" altLang="en-US" dirty="0"/>
+          </a:p>
+        </p:txBody>
+      </p:sp>
+      <p:sp>
+        <p:nvSpPr>
+          <p:cNvPr id="177" name="矩形 176"/>
+          <p:cNvSpPr/>
+          <p:nvPr/>
+        </p:nvSpPr>
+        <p:spPr>
+          <a:xfrm>
+            <a:off x="3857488" y="6139123"/>
+            <a:ext cx="360000" cy="360000"/>
+          </a:xfrm>
+          <a:prstGeom prst="rect">
+            <a:avLst/>
+          </a:prstGeom>
+          <a:noFill/>
+        </p:spPr>
+        <p:style>
+          <a:lnRef idx="2">
+            <a:schemeClr val="accent1"/>
+          </a:lnRef>
+          <a:fillRef idx="1">
+            <a:schemeClr val="lt1"/>
+          </a:fillRef>
+          <a:effectRef idx="0">
+            <a:schemeClr val="accent1"/>
+          </a:effectRef>
+          <a:fontRef idx="minor">
+            <a:schemeClr val="dk1"/>
+          </a:fontRef>
+        </p:style>
+        <p:txBody>
+          <a:bodyPr rtlCol="0" anchor="ctr"/>
+          <a:lstStyle/>
+          <a:p>
+            <a:pPr algn="ctr"/>
+            <a:endParaRPr lang="zh-CN" altLang="en-US" dirty="0"/>
+          </a:p>
+        </p:txBody>
+      </p:sp>
+      <p:sp>
+        <p:nvSpPr>
+          <p:cNvPr id="178" name="矩形 177"/>
+          <p:cNvSpPr/>
+          <p:nvPr/>
+        </p:nvSpPr>
+        <p:spPr>
+          <a:xfrm>
+            <a:off x="4217488" y="6139123"/>
+            <a:ext cx="360000" cy="360000"/>
+          </a:xfrm>
+          <a:prstGeom prst="rect">
+            <a:avLst/>
+          </a:prstGeom>
+          <a:noFill/>
+        </p:spPr>
+        <p:style>
+          <a:lnRef idx="2">
+            <a:schemeClr val="accent1"/>
+          </a:lnRef>
+          <a:fillRef idx="1">
+            <a:schemeClr val="lt1"/>
+          </a:fillRef>
+          <a:effectRef idx="0">
+            <a:schemeClr val="accent1"/>
+          </a:effectRef>
+          <a:fontRef idx="minor">
+            <a:schemeClr val="dk1"/>
+          </a:fontRef>
+        </p:style>
+        <p:txBody>
+          <a:bodyPr rtlCol="0" anchor="ctr"/>
+          <a:lstStyle/>
+          <a:p>
+            <a:pPr algn="ctr"/>
+            <a:r>
+              <a:rPr lang="en-US" altLang="zh-CN" dirty="0" smtClean="0"/>
+              <a:t>1</a:t>
+            </a:r>
+            <a:endParaRPr lang="zh-CN" altLang="en-US" dirty="0"/>
+          </a:p>
+        </p:txBody>
+      </p:sp>
+      <p:sp>
+        <p:nvSpPr>
+          <p:cNvPr id="179" name="矩形 178"/>
+          <p:cNvSpPr/>
+          <p:nvPr/>
+        </p:nvSpPr>
+        <p:spPr>
+          <a:xfrm>
+            <a:off x="3137488" y="6139123"/>
+            <a:ext cx="360000" cy="360000"/>
+          </a:xfrm>
+          <a:prstGeom prst="rect">
+            <a:avLst/>
+          </a:prstGeom>
+          <a:noFill/>
+        </p:spPr>
+        <p:style>
+          <a:lnRef idx="2">
+            <a:schemeClr val="accent1"/>
+          </a:lnRef>
+          <a:fillRef idx="1">
+            <a:schemeClr val="lt1"/>
+          </a:fillRef>
+          <a:effectRef idx="0">
+            <a:schemeClr val="accent1"/>
+          </a:effectRef>
+          <a:fontRef idx="minor">
+            <a:schemeClr val="dk1"/>
+          </a:fontRef>
+        </p:style>
+        <p:txBody>
+          <a:bodyPr rtlCol="0" anchor="ctr"/>
+          <a:lstStyle/>
+          <a:p>
+            <a:pPr algn="ctr"/>
+            <a:endParaRPr lang="zh-CN" altLang="en-US" dirty="0"/>
+          </a:p>
+        </p:txBody>
+      </p:sp>
+      <p:sp>
+        <p:nvSpPr>
+          <p:cNvPr id="180" name="文本框 179"/>
+          <p:cNvSpPr txBox="1"/>
+          <p:nvPr/>
+        </p:nvSpPr>
+        <p:spPr>
+          <a:xfrm>
+            <a:off x="3216126" y="4694457"/>
+            <a:ext cx="1282723" cy="369332"/>
+          </a:xfrm>
+          <a:prstGeom prst="rect">
+            <a:avLst/>
+          </a:prstGeom>
+          <a:noFill/>
+        </p:spPr>
+        <p:txBody>
+          <a:bodyPr wrap="none" rtlCol="0">
+            <a:spAutoFit/>
+          </a:bodyPr>
+          <a:lstStyle/>
+          <a:p>
+            <a:r>
+              <a:rPr lang="en-US" altLang="zh-CN" dirty="0" smtClean="0"/>
+              <a:t>c    b    </a:t>
+            </a:r>
+            <a:r>
+              <a:rPr lang="en-US" altLang="zh-CN" dirty="0" err="1" smtClean="0"/>
+              <a:t>b</a:t>
+            </a:r>
+            <a:r>
+              <a:rPr lang="en-US" altLang="zh-CN" dirty="0" smtClean="0"/>
+              <a:t>    d</a:t>
+            </a:r>
+            <a:endParaRPr lang="zh-CN" altLang="en-US" dirty="0"/>
+          </a:p>
+        </p:txBody>
+      </p:sp>
+      <p:sp>
+        <p:nvSpPr>
+          <p:cNvPr id="181" name="文本框 180"/>
+          <p:cNvSpPr txBox="1"/>
+          <p:nvPr/>
+        </p:nvSpPr>
+        <p:spPr>
+          <a:xfrm>
+            <a:off x="2776399" y="5045125"/>
+            <a:ext cx="282450" cy="369332"/>
+          </a:xfrm>
+          <a:prstGeom prst="rect">
+            <a:avLst/>
+          </a:prstGeom>
+          <a:noFill/>
+        </p:spPr>
+        <p:txBody>
+          <a:bodyPr wrap="none" rtlCol="0">
+            <a:spAutoFit/>
+          </a:bodyPr>
+          <a:lstStyle/>
+          <a:p>
+            <a:r>
+              <a:rPr lang="en-US" altLang="zh-CN" dirty="0" smtClean="0"/>
+              <a:t>c</a:t>
+            </a:r>
+            <a:endParaRPr lang="zh-CN" altLang="en-US" dirty="0"/>
+          </a:p>
+        </p:txBody>
+      </p:sp>
+      <p:sp>
+        <p:nvSpPr>
+          <p:cNvPr id="182" name="文本框 181"/>
+          <p:cNvSpPr txBox="1"/>
+          <p:nvPr/>
+        </p:nvSpPr>
+        <p:spPr>
+          <a:xfrm>
+            <a:off x="2769827" y="5405279"/>
+            <a:ext cx="306494" cy="369332"/>
+          </a:xfrm>
+          <a:prstGeom prst="rect">
+            <a:avLst/>
+          </a:prstGeom>
+          <a:noFill/>
+        </p:spPr>
+        <p:txBody>
+          <a:bodyPr wrap="none" rtlCol="0">
+            <a:spAutoFit/>
+          </a:bodyPr>
+          <a:lstStyle/>
+          <a:p>
+            <a:r>
+              <a:rPr lang="en-US" altLang="zh-CN" dirty="0" smtClean="0"/>
+              <a:t>b</a:t>
+            </a:r>
+            <a:endParaRPr lang="zh-CN" altLang="en-US" dirty="0"/>
+          </a:p>
+        </p:txBody>
+      </p:sp>
+      <p:sp>
+        <p:nvSpPr>
+          <p:cNvPr id="183" name="文本框 182"/>
+          <p:cNvSpPr txBox="1"/>
+          <p:nvPr/>
+        </p:nvSpPr>
+        <p:spPr>
+          <a:xfrm>
+            <a:off x="2769827" y="6120767"/>
+            <a:ext cx="306494" cy="369332"/>
+          </a:xfrm>
+          <a:prstGeom prst="rect">
+            <a:avLst/>
+          </a:prstGeom>
+          <a:noFill/>
+        </p:spPr>
+        <p:txBody>
+          <a:bodyPr wrap="none" rtlCol="0">
+            <a:spAutoFit/>
+          </a:bodyPr>
+          <a:lstStyle/>
+          <a:p>
+            <a:r>
+              <a:rPr lang="en-US" altLang="zh-CN" dirty="0"/>
+              <a:t>d</a:t>
+            </a:r>
+            <a:endParaRPr lang="zh-CN" altLang="en-US" dirty="0"/>
+          </a:p>
+        </p:txBody>
+      </p:sp>
+      <p:sp>
+        <p:nvSpPr>
+          <p:cNvPr id="184" name="文本框 183"/>
+          <p:cNvSpPr txBox="1"/>
+          <p:nvPr/>
+        </p:nvSpPr>
+        <p:spPr>
+          <a:xfrm>
+            <a:off x="2769827" y="5774611"/>
+            <a:ext cx="306494" cy="369332"/>
+          </a:xfrm>
+          <a:prstGeom prst="rect">
+            <a:avLst/>
+          </a:prstGeom>
+          <a:noFill/>
+        </p:spPr>
+        <p:txBody>
+          <a:bodyPr wrap="none" rtlCol="0">
+            <a:spAutoFit/>
+          </a:bodyPr>
+          <a:lstStyle/>
+          <a:p>
+            <a:r>
+              <a:rPr lang="en-US" altLang="zh-CN" dirty="0" smtClean="0"/>
+              <a:t>b</a:t>
+            </a:r>
+            <a:endParaRPr lang="zh-CN" altLang="en-US" dirty="0"/>
+          </a:p>
+        </p:txBody>
+      </p:sp>
+    </p:spTree>
+    <p:extLst>
+      <p:ext uri="{BB962C8B-B14F-4D97-AF65-F5344CB8AC3E}">
+        <p14:creationId xmlns:p14="http://schemas.microsoft.com/office/powerpoint/2010/main" val="663382581"/>
+      </p:ext>
+    </p:extLst>
+  </p:cSld>
+  <p:clrMapOvr>
+    <a:masterClrMapping/>
+  </p:clrMapOvr>
+</p:sld>
+</file>
+
 <file path=ppt/slides/slide2.xml><?xml version="1.0" encoding="utf-8"?>
 <p:sld xmlns:a="http://schemas.openxmlformats.org/drawingml/2006/main" xmlns:r="http://schemas.openxmlformats.org/officeDocument/2006/relationships" xmlns:p="http://schemas.openxmlformats.org/presentationml/2006/main">
   <p:cSld>
@@ -9788,7 +14789,33 @@
       </a:bgFillStyleLst>
     </a:fmtScheme>
   </a:themeElements>
-  <a:objectDefaults/>
+  <a:objectDefaults>
+    <a:spDef>
+      <a:spPr/>
+      <a:bodyPr rtlCol="0" anchor="ctr"/>
+      <a:lstStyle>
+        <a:defPPr algn="ctr">
+          <a:defRPr/>
+        </a:defPPr>
+      </a:lstStyle>
+      <a:style>
+        <a:lnRef idx="2">
+          <a:schemeClr val="accent1">
+            <a:shade val="50000"/>
+          </a:schemeClr>
+        </a:lnRef>
+        <a:fillRef idx="1">
+          <a:schemeClr val="accent1"/>
+        </a:fillRef>
+        <a:effectRef idx="0">
+          <a:schemeClr val="accent1"/>
+        </a:effectRef>
+        <a:fontRef idx="minor">
+          <a:schemeClr val="lt1"/>
+        </a:fontRef>
+      </a:style>
+    </a:spDef>
+  </a:objectDefaults>
   <a:extraClrSchemeLst/>
   <a:extLst>
     <a:ext uri="{05A4C25C-085E-4340-85A3-A5531E510DB2}">
